--- a/PROTOTIPO EMOCIONES/PROTOTIPO SPE.pptx
+++ b/PROTOTIPO EMOCIONES/PROTOTIPO SPE.pptx
@@ -5,20 +5,21 @@
     <p:sldMasterId id="2147483648" r:id="rId1"/>
   </p:sldMasterIdLst>
   <p:notesMasterIdLst>
-    <p:notesMasterId r:id="rId13"/>
+    <p:notesMasterId r:id="rId14"/>
   </p:notesMasterIdLst>
   <p:sldIdLst>
     <p:sldId id="268" r:id="rId2"/>
-    <p:sldId id="258" r:id="rId3"/>
-    <p:sldId id="262" r:id="rId4"/>
-    <p:sldId id="256" r:id="rId5"/>
-    <p:sldId id="259" r:id="rId6"/>
-    <p:sldId id="263" r:id="rId7"/>
-    <p:sldId id="264" r:id="rId8"/>
-    <p:sldId id="267" r:id="rId9"/>
-    <p:sldId id="265" r:id="rId10"/>
-    <p:sldId id="266" r:id="rId11"/>
-    <p:sldId id="269" r:id="rId12"/>
+    <p:sldId id="270" r:id="rId3"/>
+    <p:sldId id="258" r:id="rId4"/>
+    <p:sldId id="262" r:id="rId5"/>
+    <p:sldId id="256" r:id="rId6"/>
+    <p:sldId id="259" r:id="rId7"/>
+    <p:sldId id="263" r:id="rId8"/>
+    <p:sldId id="264" r:id="rId9"/>
+    <p:sldId id="267" r:id="rId10"/>
+    <p:sldId id="265" r:id="rId11"/>
+    <p:sldId id="266" r:id="rId12"/>
+    <p:sldId id="269" r:id="rId13"/>
   </p:sldIdLst>
   <p:sldSz cx="12192000" cy="6858000"/>
   <p:notesSz cx="6858000" cy="9144000"/>
@@ -207,7 +208,7 @@
           <a:p>
             <a:fld id="{395D2B66-4093-BB4E-A15A-822850D21C7F}" type="datetimeFigureOut">
               <a:rPr lang="es-MX" smtClean="0"/>
-              <a:t>24/05/20</a:t>
+              <a:t>13/06/20</a:t>
             </a:fld>
             <a:endParaRPr/>
           </a:p>
@@ -540,7 +541,7 @@
           <a:p>
             <a:fld id="{0E38EE9B-B15A-7F44-8952-5DC95D7DDDF0}" type="slidenum">
               <a:rPr lang="es-MX" smtClean="0"/>
-              <a:t>4</a:t>
+              <a:t>5</a:t>
             </a:fld>
             <a:endParaRPr lang="es-MX"/>
           </a:p>
@@ -624,7 +625,7 @@
           <a:p>
             <a:fld id="{0E38EE9B-B15A-7F44-8952-5DC95D7DDDF0}" type="slidenum">
               <a:rPr lang="es-MX" smtClean="0"/>
-              <a:t>5</a:t>
+              <a:t>6</a:t>
             </a:fld>
             <a:endParaRPr lang="es-MX"/>
           </a:p>
@@ -708,7 +709,7 @@
           <a:p>
             <a:fld id="{0E38EE9B-B15A-7F44-8952-5DC95D7DDDF0}" type="slidenum">
               <a:rPr lang="es-MX" smtClean="0"/>
-              <a:t>6</a:t>
+              <a:t>7</a:t>
             </a:fld>
             <a:endParaRPr lang="es-MX"/>
           </a:p>
@@ -792,7 +793,7 @@
           <a:p>
             <a:fld id="{0E38EE9B-B15A-7F44-8952-5DC95D7DDDF0}" type="slidenum">
               <a:rPr lang="es-MX" smtClean="0"/>
-              <a:t>10</a:t>
+              <a:t>11</a:t>
             </a:fld>
             <a:endParaRPr lang="es-MX"/>
           </a:p>
@@ -876,7 +877,7 @@
           <a:p>
             <a:fld id="{0E38EE9B-B15A-7F44-8952-5DC95D7DDDF0}" type="slidenum">
               <a:rPr lang="es-MX" smtClean="0"/>
-              <a:t>11</a:t>
+              <a:t>12</a:t>
             </a:fld>
             <a:endParaRPr lang="es-MX"/>
           </a:p>
@@ -1044,7 +1045,7 @@
           <a:p>
             <a:fld id="{3C829C46-662D-4145-8F98-57D70CA20825}" type="datetimeFigureOut">
               <a:rPr lang="es-MX" smtClean="0"/>
-              <a:t>24/05/20</a:t>
+              <a:t>13/06/20</a:t>
             </a:fld>
             <a:endParaRPr lang="es-MX"/>
           </a:p>
@@ -1244,7 +1245,7 @@
           <a:p>
             <a:fld id="{3C829C46-662D-4145-8F98-57D70CA20825}" type="datetimeFigureOut">
               <a:rPr lang="es-MX" smtClean="0"/>
-              <a:t>24/05/20</a:t>
+              <a:t>13/06/20</a:t>
             </a:fld>
             <a:endParaRPr lang="es-MX"/>
           </a:p>
@@ -1454,7 +1455,7 @@
           <a:p>
             <a:fld id="{3C829C46-662D-4145-8F98-57D70CA20825}" type="datetimeFigureOut">
               <a:rPr lang="es-MX" smtClean="0"/>
-              <a:t>24/05/20</a:t>
+              <a:t>13/06/20</a:t>
             </a:fld>
             <a:endParaRPr lang="es-MX"/>
           </a:p>
@@ -1654,7 +1655,7 @@
           <a:p>
             <a:fld id="{3C829C46-662D-4145-8F98-57D70CA20825}" type="datetimeFigureOut">
               <a:rPr lang="es-MX" smtClean="0"/>
-              <a:t>24/05/20</a:t>
+              <a:t>13/06/20</a:t>
             </a:fld>
             <a:endParaRPr lang="es-MX"/>
           </a:p>
@@ -1930,7 +1931,7 @@
           <a:p>
             <a:fld id="{3C829C46-662D-4145-8F98-57D70CA20825}" type="datetimeFigureOut">
               <a:rPr lang="es-MX" smtClean="0"/>
-              <a:t>24/05/20</a:t>
+              <a:t>13/06/20</a:t>
             </a:fld>
             <a:endParaRPr lang="es-MX"/>
           </a:p>
@@ -2198,7 +2199,7 @@
           <a:p>
             <a:fld id="{3C829C46-662D-4145-8F98-57D70CA20825}" type="datetimeFigureOut">
               <a:rPr lang="es-MX" smtClean="0"/>
-              <a:t>24/05/20</a:t>
+              <a:t>13/06/20</a:t>
             </a:fld>
             <a:endParaRPr lang="es-MX"/>
           </a:p>
@@ -2613,7 +2614,7 @@
           <a:p>
             <a:fld id="{3C829C46-662D-4145-8F98-57D70CA20825}" type="datetimeFigureOut">
               <a:rPr lang="es-MX" smtClean="0"/>
-              <a:t>24/05/20</a:t>
+              <a:t>13/06/20</a:t>
             </a:fld>
             <a:endParaRPr lang="es-MX"/>
           </a:p>
@@ -2755,7 +2756,7 @@
           <a:p>
             <a:fld id="{3C829C46-662D-4145-8F98-57D70CA20825}" type="datetimeFigureOut">
               <a:rPr lang="es-MX" smtClean="0"/>
-              <a:t>24/05/20</a:t>
+              <a:t>13/06/20</a:t>
             </a:fld>
             <a:endParaRPr lang="es-MX"/>
           </a:p>
@@ -2868,7 +2869,7 @@
           <a:p>
             <a:fld id="{3C829C46-662D-4145-8F98-57D70CA20825}" type="datetimeFigureOut">
               <a:rPr lang="es-MX" smtClean="0"/>
-              <a:t>24/05/20</a:t>
+              <a:t>13/06/20</a:t>
             </a:fld>
             <a:endParaRPr lang="es-MX"/>
           </a:p>
@@ -3181,7 +3182,7 @@
           <a:p>
             <a:fld id="{3C829C46-662D-4145-8F98-57D70CA20825}" type="datetimeFigureOut">
               <a:rPr lang="es-MX" smtClean="0"/>
-              <a:t>24/05/20</a:t>
+              <a:t>13/06/20</a:t>
             </a:fld>
             <a:endParaRPr lang="es-MX"/>
           </a:p>
@@ -3470,7 +3471,7 @@
           <a:p>
             <a:fld id="{3C829C46-662D-4145-8F98-57D70CA20825}" type="datetimeFigureOut">
               <a:rPr lang="es-MX" smtClean="0"/>
-              <a:t>24/05/20</a:t>
+              <a:t>13/06/20</a:t>
             </a:fld>
             <a:endParaRPr lang="es-MX"/>
           </a:p>
@@ -3713,7 +3714,7 @@
           <a:p>
             <a:fld id="{3C829C46-662D-4145-8F98-57D70CA20825}" type="datetimeFigureOut">
               <a:rPr lang="es-MX" smtClean="0"/>
-              <a:t>24/05/20</a:t>
+              <a:t>13/06/20</a:t>
             </a:fld>
             <a:endParaRPr/>
           </a:p>
@@ -4196,6 +4197,157 @@
       </p:grpSpPr>
       <p:sp>
         <p:nvSpPr>
+          <p:cNvPr id="13" name="CuadroTexto 12">
+            <a:extLst>
+              <a:ext uri="{FF2B5EF4-FFF2-40B4-BE49-F238E27FC236}">
+                <a16:creationId xmlns:a16="http://schemas.microsoft.com/office/drawing/2014/main" id="{0484E490-0BD3-BE41-A156-6FB93B92A2EE}"/>
+              </a:ext>
+            </a:extLst>
+          </p:cNvPr>
+          <p:cNvSpPr txBox="1"/>
+          <p:nvPr/>
+        </p:nvSpPr>
+        <p:spPr>
+          <a:xfrm>
+            <a:off x="3506160" y="5102489"/>
+            <a:ext cx="5041132" cy="307777"/>
+          </a:xfrm>
+          <a:prstGeom prst="rect">
+            <a:avLst/>
+          </a:prstGeom>
+          <a:noFill/>
+        </p:spPr>
+        <p:txBody>
+          <a:bodyPr wrap="square" rtlCol="0">
+            <a:spAutoFit/>
+          </a:bodyPr>
+          <a:lstStyle/>
+          <a:p>
+            <a:pPr algn="ctr"/>
+            <a:r>
+              <a:rPr lang="es-ES" sz="1400" dirty="0"/>
+              <a:t>OPCIONES DEL ALUMNO</a:t>
+            </a:r>
+            <a:endParaRPr sz="1400" dirty="0"/>
+          </a:p>
+        </p:txBody>
+      </p:sp>
+      <p:sp>
+        <p:nvSpPr>
+          <p:cNvPr id="15" name="Título 1">
+            <a:extLst>
+              <a:ext uri="{FF2B5EF4-FFF2-40B4-BE49-F238E27FC236}">
+                <a16:creationId xmlns:a16="http://schemas.microsoft.com/office/drawing/2014/main" id="{37B584E0-02B0-AD42-8485-C3FA0BFE8ECB}"/>
+              </a:ext>
+            </a:extLst>
+          </p:cNvPr>
+          <p:cNvSpPr txBox="1">
+            <a:spLocks/>
+          </p:cNvSpPr>
+          <p:nvPr/>
+        </p:nvSpPr>
+        <p:spPr>
+          <a:xfrm>
+            <a:off x="3091682" y="625749"/>
+            <a:ext cx="5179678" cy="655566"/>
+          </a:xfrm>
+          <a:prstGeom prst="rect">
+            <a:avLst/>
+          </a:prstGeom>
+        </p:spPr>
+        <p:txBody>
+          <a:bodyPr vert="horz" lIns="91440" tIns="45720" rIns="91440" bIns="45720" rtlCol="0" anchor="b">
+            <a:normAutofit fontScale="62500" lnSpcReduction="20000"/>
+          </a:bodyPr>
+          <a:lstStyle>
+            <a:lvl1pPr algn="ctr" defTabSz="914400" rtl="0" eaLnBrk="1" latinLnBrk="0" hangingPunct="1">
+              <a:lnSpc>
+                <a:spcPct val="90000"/>
+              </a:lnSpc>
+              <a:spcBef>
+                <a:spcPct val="0"/>
+              </a:spcBef>
+              <a:buNone/>
+              <a:defRPr sz="6000" kern="1200">
+                <a:solidFill>
+                  <a:schemeClr val="tx1"/>
+                </a:solidFill>
+                <a:latin typeface="+mj-lt"/>
+                <a:ea typeface="+mj-ea"/>
+                <a:cs typeface="+mj-cs"/>
+              </a:defRPr>
+            </a:lvl1pPr>
+          </a:lstStyle>
+          <a:p>
+            <a:r>
+              <a:rPr lang="es-ES" sz="4000" dirty="0"/>
+              <a:t>VENTANA DE LAS OPCIONES DEL ALUMNO</a:t>
+            </a:r>
+          </a:p>
+        </p:txBody>
+      </p:sp>
+      <p:pic>
+        <p:nvPicPr>
+          <p:cNvPr id="4" name="Imagen 3">
+            <a:extLst>
+              <a:ext uri="{FF2B5EF4-FFF2-40B4-BE49-F238E27FC236}">
+                <a16:creationId xmlns:a16="http://schemas.microsoft.com/office/drawing/2014/main" id="{1F7428CE-3AF1-2349-B5A4-74EBFA82305A}"/>
+              </a:ext>
+            </a:extLst>
+          </p:cNvPr>
+          <p:cNvPicPr>
+            <a:picLocks noChangeAspect="1"/>
+          </p:cNvPicPr>
+          <p:nvPr/>
+        </p:nvPicPr>
+        <p:blipFill>
+          <a:blip r:embed="rId2"/>
+          <a:stretch>
+            <a:fillRect/>
+          </a:stretch>
+        </p:blipFill>
+        <p:spPr>
+          <a:xfrm>
+            <a:off x="3091682" y="1755511"/>
+            <a:ext cx="5287446" cy="3346979"/>
+          </a:xfrm>
+          <a:prstGeom prst="rect">
+            <a:avLst/>
+          </a:prstGeom>
+        </p:spPr>
+      </p:pic>
+    </p:spTree>
+    <p:extLst>
+      <p:ext uri="{BB962C8B-B14F-4D97-AF65-F5344CB8AC3E}">
+        <p14:creationId xmlns:p14="http://schemas.microsoft.com/office/powerpoint/2010/main" val="663568119"/>
+      </p:ext>
+    </p:extLst>
+  </p:cSld>
+  <p:clrMapOvr>
+    <a:masterClrMapping/>
+  </p:clrMapOvr>
+</p:sld>
+</file>
+
+<file path=ppt/slides/slide11.xml><?xml version="1.0" encoding="utf-8"?>
+<p:sld xmlns:a="http://schemas.openxmlformats.org/drawingml/2006/main" xmlns:r="http://schemas.openxmlformats.org/officeDocument/2006/relationships" xmlns:p="http://schemas.openxmlformats.org/presentationml/2006/main">
+  <p:cSld>
+    <p:spTree>
+      <p:nvGrpSpPr>
+        <p:cNvPr id="1" name=""/>
+        <p:cNvGrpSpPr/>
+        <p:nvPr/>
+      </p:nvGrpSpPr>
+      <p:grpSpPr>
+        <a:xfrm>
+          <a:off x="0" y="0"/>
+          <a:ext cx="0" cy="0"/>
+          <a:chOff x="0" y="0"/>
+          <a:chExt cx="0" cy="0"/>
+        </a:xfrm>
+      </p:grpSpPr>
+      <p:sp>
+        <p:nvSpPr>
           <p:cNvPr id="15" name="CuadroTexto 14">
             <a:extLst>
               <a:ext uri="{FF2B5EF4-FFF2-40B4-BE49-F238E27FC236}">
@@ -4637,7 +4789,7 @@
 </p:sld>
 </file>
 
-<file path=ppt/slides/slide11.xml><?xml version="1.0" encoding="utf-8"?>
+<file path=ppt/slides/slide12.xml><?xml version="1.0" encoding="utf-8"?>
 <p:sld xmlns:a="http://schemas.openxmlformats.org/drawingml/2006/main" xmlns:r="http://schemas.openxmlformats.org/officeDocument/2006/relationships" xmlns:p="http://schemas.openxmlformats.org/presentationml/2006/main">
   <p:cSld>
     <p:spTree>
@@ -4810,6 +4962,105 @@
           <p:cNvPr id="2" name="Título 1">
             <a:extLst>
               <a:ext uri="{FF2B5EF4-FFF2-40B4-BE49-F238E27FC236}">
+                <a16:creationId xmlns:a16="http://schemas.microsoft.com/office/drawing/2014/main" id="{01B8A7BB-BB96-5745-B82B-3C8C32CA49E1}"/>
+              </a:ext>
+            </a:extLst>
+          </p:cNvPr>
+          <p:cNvSpPr>
+            <a:spLocks noGrp="1"/>
+          </p:cNvSpPr>
+          <p:nvPr>
+            <p:ph type="title"/>
+          </p:nvPr>
+        </p:nvSpPr>
+        <p:spPr/>
+        <p:txBody>
+          <a:bodyPr/>
+          <a:lstStyle/>
+          <a:p>
+            <a:r>
+              <a:rPr lang="es-ES" dirty="0"/>
+              <a:t>Herramienta </a:t>
+            </a:r>
+            <a:endParaRPr dirty="0"/>
+          </a:p>
+        </p:txBody>
+      </p:sp>
+      <p:sp>
+        <p:nvSpPr>
+          <p:cNvPr id="3" name="Marcador de contenido 2">
+            <a:extLst>
+              <a:ext uri="{FF2B5EF4-FFF2-40B4-BE49-F238E27FC236}">
+                <a16:creationId xmlns:a16="http://schemas.microsoft.com/office/drawing/2014/main" id="{C1FBD83A-6DD8-1D40-9011-7AD6BD020710}"/>
+              </a:ext>
+            </a:extLst>
+          </p:cNvPr>
+          <p:cNvSpPr>
+            <a:spLocks noGrp="1"/>
+          </p:cNvSpPr>
+          <p:nvPr>
+            <p:ph idx="1"/>
+          </p:nvPr>
+        </p:nvSpPr>
+        <p:spPr/>
+        <p:txBody>
+          <a:bodyPr/>
+          <a:lstStyle/>
+          <a:p>
+            <a:pPr algn="just"/>
+            <a:r>
+              <a:rPr lang="es-ES" dirty="0"/>
+              <a:t>El siguiente prototipo se desarrollo en la herramienta web MOCKFLOW (</a:t>
+            </a:r>
+            <a:r>
+              <a:rPr lang="es-ES" dirty="0">
+                <a:hlinkClick r:id="rId2"/>
+              </a:rPr>
+              <a:t>https://www.mockflow.com</a:t>
+            </a:r>
+            <a:r>
+              <a:rPr lang="es-ES" dirty="0"/>
+              <a:t>), que permitió dar una idea general de los elementos que el sistema iba a utilizar y establecer una estructura de como organizar cada uno de ellos, establecer vistas, botones y elementos de manera general y gráfica.</a:t>
+            </a:r>
+            <a:endParaRPr dirty="0"/>
+          </a:p>
+        </p:txBody>
+      </p:sp>
+    </p:spTree>
+    <p:extLst>
+      <p:ext uri="{BB962C8B-B14F-4D97-AF65-F5344CB8AC3E}">
+        <p14:creationId xmlns:p14="http://schemas.microsoft.com/office/powerpoint/2010/main" val="1706700589"/>
+      </p:ext>
+    </p:extLst>
+  </p:cSld>
+  <p:clrMapOvr>
+    <a:masterClrMapping/>
+  </p:clrMapOvr>
+</p:sld>
+</file>
+
+<file path=ppt/slides/slide3.xml><?xml version="1.0" encoding="utf-8"?>
+<p:sld xmlns:a="http://schemas.openxmlformats.org/drawingml/2006/main" xmlns:r="http://schemas.openxmlformats.org/officeDocument/2006/relationships" xmlns:p="http://schemas.openxmlformats.org/presentationml/2006/main">
+  <p:cSld>
+    <p:spTree>
+      <p:nvGrpSpPr>
+        <p:cNvPr id="1" name=""/>
+        <p:cNvGrpSpPr/>
+        <p:nvPr/>
+      </p:nvGrpSpPr>
+      <p:grpSpPr>
+        <a:xfrm>
+          <a:off x="0" y="0"/>
+          <a:ext cx="0" cy="0"/>
+          <a:chOff x="0" y="0"/>
+          <a:chExt cx="0" cy="0"/>
+        </a:xfrm>
+      </p:grpSpPr>
+      <p:sp>
+        <p:nvSpPr>
+          <p:cNvPr id="2" name="Título 1">
+            <a:extLst>
+              <a:ext uri="{FF2B5EF4-FFF2-40B4-BE49-F238E27FC236}">
                 <a16:creationId xmlns:a16="http://schemas.microsoft.com/office/drawing/2014/main" id="{B3D76103-48A5-A048-8653-9FD088F32FB1}"/>
               </a:ext>
             </a:extLst>
@@ -4876,7 +5127,7 @@
 </p:sld>
 </file>
 
-<file path=ppt/slides/slide3.xml><?xml version="1.0" encoding="utf-8"?>
+<file path=ppt/slides/slide4.xml><?xml version="1.0" encoding="utf-8"?>
 <p:sld xmlns:a="http://schemas.openxmlformats.org/drawingml/2006/main" xmlns:r="http://schemas.openxmlformats.org/officeDocument/2006/relationships" xmlns:p="http://schemas.openxmlformats.org/presentationml/2006/main">
   <p:cSld>
     <p:bg>
@@ -5033,1113 +5284,6 @@
     <p:extLst>
       <p:ext uri="{BB962C8B-B14F-4D97-AF65-F5344CB8AC3E}">
         <p14:creationId xmlns:p14="http://schemas.microsoft.com/office/powerpoint/2010/main" val="928719349"/>
-      </p:ext>
-    </p:extLst>
-  </p:cSld>
-  <p:clrMapOvr>
-    <a:masterClrMapping/>
-  </p:clrMapOvr>
-</p:sld>
-</file>
-
-<file path=ppt/slides/slide4.xml><?xml version="1.0" encoding="utf-8"?>
-<p:sld xmlns:a="http://schemas.openxmlformats.org/drawingml/2006/main" xmlns:r="http://schemas.openxmlformats.org/officeDocument/2006/relationships" xmlns:p="http://schemas.openxmlformats.org/presentationml/2006/main">
-  <p:cSld>
-    <p:spTree>
-      <p:nvGrpSpPr>
-        <p:cNvPr id="1" name=""/>
-        <p:cNvGrpSpPr/>
-        <p:nvPr/>
-      </p:nvGrpSpPr>
-      <p:grpSpPr>
-        <a:xfrm>
-          <a:off x="0" y="0"/>
-          <a:ext cx="0" cy="0"/>
-          <a:chOff x="0" y="0"/>
-          <a:chExt cx="0" cy="0"/>
-        </a:xfrm>
-      </p:grpSpPr>
-      <p:pic>
-        <p:nvPicPr>
-          <p:cNvPr id="5" name="Imagen 4">
-            <a:extLst>
-              <a:ext uri="{FF2B5EF4-FFF2-40B4-BE49-F238E27FC236}">
-                <a16:creationId xmlns:a16="http://schemas.microsoft.com/office/drawing/2014/main" id="{9BF1B19A-C376-E84F-8CAD-409325A1A0F1}"/>
-              </a:ext>
-            </a:extLst>
-          </p:cNvPr>
-          <p:cNvPicPr>
-            <a:picLocks noChangeAspect="1"/>
-          </p:cNvPicPr>
-          <p:nvPr/>
-        </p:nvPicPr>
-        <p:blipFill>
-          <a:blip r:embed="rId3"/>
-          <a:stretch>
-            <a:fillRect/>
-          </a:stretch>
-        </p:blipFill>
-        <p:spPr>
-          <a:xfrm>
-            <a:off x="3275959" y="1227292"/>
-            <a:ext cx="2475119" cy="1566762"/>
-          </a:xfrm>
-          <a:prstGeom prst="rect">
-            <a:avLst/>
-          </a:prstGeom>
-        </p:spPr>
-      </p:pic>
-      <p:sp>
-        <p:nvSpPr>
-          <p:cNvPr id="15" name="CuadroTexto 14">
-            <a:extLst>
-              <a:ext uri="{FF2B5EF4-FFF2-40B4-BE49-F238E27FC236}">
-                <a16:creationId xmlns:a16="http://schemas.microsoft.com/office/drawing/2014/main" id="{61AFCB83-8A76-7E45-9CCC-B6C04630289F}"/>
-              </a:ext>
-            </a:extLst>
-          </p:cNvPr>
-          <p:cNvSpPr txBox="1"/>
-          <p:nvPr/>
-        </p:nvSpPr>
-        <p:spPr>
-          <a:xfrm>
-            <a:off x="386445" y="2809621"/>
-            <a:ext cx="2337651" cy="461665"/>
-          </a:xfrm>
-          <a:prstGeom prst="rect">
-            <a:avLst/>
-          </a:prstGeom>
-          <a:noFill/>
-        </p:spPr>
-        <p:txBody>
-          <a:bodyPr wrap="square" rtlCol="0">
-            <a:spAutoFit/>
-          </a:bodyPr>
-          <a:lstStyle/>
-          <a:p>
-            <a:pPr algn="ctr"/>
-            <a:r>
-              <a:rPr lang="es-ES" sz="1200" dirty="0"/>
-              <a:t>PÁGINA PRINCIPAL DEL PROFESOR</a:t>
-            </a:r>
-          </a:p>
-          <a:p>
-            <a:pPr algn="ctr"/>
-            <a:r>
-              <a:rPr lang="es-ES" sz="1200" dirty="0"/>
-              <a:t>OPCIONES </a:t>
-            </a:r>
-            <a:endParaRPr sz="1200" dirty="0"/>
-          </a:p>
-        </p:txBody>
-      </p:sp>
-      <p:pic>
-        <p:nvPicPr>
-          <p:cNvPr id="22" name="Imagen 21">
-            <a:extLst>
-              <a:ext uri="{FF2B5EF4-FFF2-40B4-BE49-F238E27FC236}">
-                <a16:creationId xmlns:a16="http://schemas.microsoft.com/office/drawing/2014/main" id="{1BD7A14C-4474-F342-9E6F-8FB0DBAFEC61}"/>
-              </a:ext>
-            </a:extLst>
-          </p:cNvPr>
-          <p:cNvPicPr>
-            <a:picLocks noChangeAspect="1"/>
-          </p:cNvPicPr>
-          <p:nvPr/>
-        </p:nvPicPr>
-        <p:blipFill>
-          <a:blip r:embed="rId4"/>
-          <a:stretch>
-            <a:fillRect/>
-          </a:stretch>
-        </p:blipFill>
-        <p:spPr>
-          <a:xfrm>
-            <a:off x="376538" y="1233249"/>
-            <a:ext cx="2465701" cy="1559194"/>
-          </a:xfrm>
-          <a:prstGeom prst="rect">
-            <a:avLst/>
-          </a:prstGeom>
-        </p:spPr>
-      </p:pic>
-      <p:cxnSp>
-        <p:nvCxnSpPr>
-          <p:cNvPr id="28" name="Conector recto de flecha 27">
-            <a:extLst>
-              <a:ext uri="{FF2B5EF4-FFF2-40B4-BE49-F238E27FC236}">
-                <a16:creationId xmlns:a16="http://schemas.microsoft.com/office/drawing/2014/main" id="{C5CF75A1-8631-FA43-AA43-5EBF22A49851}"/>
-              </a:ext>
-            </a:extLst>
-          </p:cNvPr>
-          <p:cNvCxnSpPr>
-            <a:cxnSpLocks/>
-            <a:stCxn id="22" idx="3"/>
-            <a:endCxn id="5" idx="1"/>
-          </p:cNvCxnSpPr>
-          <p:nvPr/>
-        </p:nvCxnSpPr>
-        <p:spPr>
-          <a:xfrm flipV="1">
-            <a:off x="2842239" y="2010673"/>
-            <a:ext cx="433720" cy="2173"/>
-          </a:xfrm>
-          <a:prstGeom prst="straightConnector1">
-            <a:avLst/>
-          </a:prstGeom>
-          <a:ln>
-            <a:tailEnd type="triangle"/>
-          </a:ln>
-        </p:spPr>
-        <p:style>
-          <a:lnRef idx="1">
-            <a:schemeClr val="accent1"/>
-          </a:lnRef>
-          <a:fillRef idx="0">
-            <a:schemeClr val="accent1"/>
-          </a:fillRef>
-          <a:effectRef idx="0">
-            <a:schemeClr val="accent1"/>
-          </a:effectRef>
-          <a:fontRef idx="minor">
-            <a:schemeClr val="tx1"/>
-          </a:fontRef>
-        </p:style>
-      </p:cxnSp>
-      <p:sp>
-        <p:nvSpPr>
-          <p:cNvPr id="29" name="CuadroTexto 28">
-            <a:extLst>
-              <a:ext uri="{FF2B5EF4-FFF2-40B4-BE49-F238E27FC236}">
-                <a16:creationId xmlns:a16="http://schemas.microsoft.com/office/drawing/2014/main" id="{4BE91E04-1027-C44D-AF5E-BB2AE6ABC5BF}"/>
-              </a:ext>
-            </a:extLst>
-          </p:cNvPr>
-          <p:cNvSpPr txBox="1"/>
-          <p:nvPr/>
-        </p:nvSpPr>
-        <p:spPr>
-          <a:xfrm>
-            <a:off x="3186766" y="2761865"/>
-            <a:ext cx="2337651" cy="461665"/>
-          </a:xfrm>
-          <a:prstGeom prst="rect">
-            <a:avLst/>
-          </a:prstGeom>
-          <a:noFill/>
-        </p:spPr>
-        <p:txBody>
-          <a:bodyPr wrap="square" rtlCol="0">
-            <a:spAutoFit/>
-          </a:bodyPr>
-          <a:lstStyle/>
-          <a:p>
-            <a:pPr algn="ctr"/>
-            <a:r>
-              <a:rPr lang="es-ES" sz="1200" dirty="0"/>
-              <a:t>OPCIONES DENTRO DE LA OPCION CURSO (INGRESA A CURSO)</a:t>
-            </a:r>
-            <a:endParaRPr sz="1200" dirty="0"/>
-          </a:p>
-        </p:txBody>
-      </p:sp>
-      <p:pic>
-        <p:nvPicPr>
-          <p:cNvPr id="31" name="Imagen 30">
-            <a:extLst>
-              <a:ext uri="{FF2B5EF4-FFF2-40B4-BE49-F238E27FC236}">
-                <a16:creationId xmlns:a16="http://schemas.microsoft.com/office/drawing/2014/main" id="{7732AD9D-5D25-A94E-8EC2-0CE846147D4C}"/>
-              </a:ext>
-            </a:extLst>
-          </p:cNvPr>
-          <p:cNvPicPr>
-            <a:picLocks noChangeAspect="1"/>
-          </p:cNvPicPr>
-          <p:nvPr/>
-        </p:nvPicPr>
-        <p:blipFill>
-          <a:blip r:embed="rId5"/>
-          <a:stretch>
-            <a:fillRect/>
-          </a:stretch>
-        </p:blipFill>
-        <p:spPr>
-          <a:xfrm>
-            <a:off x="9154496" y="1227292"/>
-            <a:ext cx="2558025" cy="1629836"/>
-          </a:xfrm>
-          <a:prstGeom prst="rect">
-            <a:avLst/>
-          </a:prstGeom>
-        </p:spPr>
-      </p:pic>
-      <p:sp>
-        <p:nvSpPr>
-          <p:cNvPr id="32" name="CuadroTexto 31">
-            <a:extLst>
-              <a:ext uri="{FF2B5EF4-FFF2-40B4-BE49-F238E27FC236}">
-                <a16:creationId xmlns:a16="http://schemas.microsoft.com/office/drawing/2014/main" id="{ADFDC80F-AE6F-AE4C-A4DD-24994CA66622}"/>
-              </a:ext>
-            </a:extLst>
-          </p:cNvPr>
-          <p:cNvSpPr txBox="1"/>
-          <p:nvPr/>
-        </p:nvSpPr>
-        <p:spPr>
-          <a:xfrm>
-            <a:off x="6594590" y="2850104"/>
-            <a:ext cx="1811970" cy="276999"/>
-          </a:xfrm>
-          <a:prstGeom prst="rect">
-            <a:avLst/>
-          </a:prstGeom>
-          <a:noFill/>
-        </p:spPr>
-        <p:txBody>
-          <a:bodyPr wrap="none" rtlCol="0">
-            <a:spAutoFit/>
-          </a:bodyPr>
-          <a:lstStyle/>
-          <a:p>
-            <a:pPr algn="ctr"/>
-            <a:r>
-              <a:rPr lang="es-ES" sz="1200" dirty="0"/>
-              <a:t>BOTÓN DE NUEVO CURSO</a:t>
-            </a:r>
-            <a:endParaRPr sz="1200" dirty="0"/>
-          </a:p>
-        </p:txBody>
-      </p:sp>
-      <p:pic>
-        <p:nvPicPr>
-          <p:cNvPr id="41" name="Imagen 40">
-            <a:extLst>
-              <a:ext uri="{FF2B5EF4-FFF2-40B4-BE49-F238E27FC236}">
-                <a16:creationId xmlns:a16="http://schemas.microsoft.com/office/drawing/2014/main" id="{C2D1B44A-1B6B-EB42-B6CF-48B06BD754A6}"/>
-              </a:ext>
-            </a:extLst>
-          </p:cNvPr>
-          <p:cNvPicPr>
-            <a:picLocks noChangeAspect="1"/>
-          </p:cNvPicPr>
-          <p:nvPr/>
-        </p:nvPicPr>
-        <p:blipFill>
-          <a:blip r:embed="rId6"/>
-          <a:stretch>
-            <a:fillRect/>
-          </a:stretch>
-        </p:blipFill>
-        <p:spPr>
-          <a:xfrm>
-            <a:off x="6237722" y="1227292"/>
-            <a:ext cx="2482759" cy="1565151"/>
-          </a:xfrm>
-          <a:prstGeom prst="rect">
-            <a:avLst/>
-          </a:prstGeom>
-        </p:spPr>
-      </p:pic>
-      <p:pic>
-        <p:nvPicPr>
-          <p:cNvPr id="43" name="Imagen 42">
-            <a:extLst>
-              <a:ext uri="{FF2B5EF4-FFF2-40B4-BE49-F238E27FC236}">
-                <a16:creationId xmlns:a16="http://schemas.microsoft.com/office/drawing/2014/main" id="{B4C07BB4-F932-BC45-AB0A-46C54CD67727}"/>
-              </a:ext>
-            </a:extLst>
-          </p:cNvPr>
-          <p:cNvPicPr>
-            <a:picLocks noChangeAspect="1"/>
-          </p:cNvPicPr>
-          <p:nvPr/>
-        </p:nvPicPr>
-        <p:blipFill>
-          <a:blip r:embed="rId7"/>
-          <a:stretch>
-            <a:fillRect/>
-          </a:stretch>
-        </p:blipFill>
-        <p:spPr>
-          <a:xfrm>
-            <a:off x="9193189" y="3913637"/>
-            <a:ext cx="2558025" cy="1616092"/>
-          </a:xfrm>
-          <a:prstGeom prst="rect">
-            <a:avLst/>
-          </a:prstGeom>
-        </p:spPr>
-      </p:pic>
-      <p:sp>
-        <p:nvSpPr>
-          <p:cNvPr id="44" name="CuadroTexto 43">
-            <a:extLst>
-              <a:ext uri="{FF2B5EF4-FFF2-40B4-BE49-F238E27FC236}">
-                <a16:creationId xmlns:a16="http://schemas.microsoft.com/office/drawing/2014/main" id="{0BB11CFD-7D16-EC49-B0D8-31462F7CB650}"/>
-              </a:ext>
-            </a:extLst>
-          </p:cNvPr>
-          <p:cNvSpPr txBox="1"/>
-          <p:nvPr/>
-        </p:nvSpPr>
-        <p:spPr>
-          <a:xfrm>
-            <a:off x="9881761" y="5529729"/>
-            <a:ext cx="1324722" cy="276999"/>
-          </a:xfrm>
-          <a:prstGeom prst="rect">
-            <a:avLst/>
-          </a:prstGeom>
-          <a:noFill/>
-        </p:spPr>
-        <p:txBody>
-          <a:bodyPr wrap="none" rtlCol="0">
-            <a:spAutoFit/>
-          </a:bodyPr>
-          <a:lstStyle/>
-          <a:p>
-            <a:pPr algn="ctr"/>
-            <a:r>
-              <a:rPr lang="es-ES" sz="1200" dirty="0"/>
-              <a:t>BOTÓN DE EDITAR</a:t>
-            </a:r>
-            <a:endParaRPr sz="1200" dirty="0"/>
-          </a:p>
-        </p:txBody>
-      </p:sp>
-      <p:pic>
-        <p:nvPicPr>
-          <p:cNvPr id="46" name="Imagen 45">
-            <a:extLst>
-              <a:ext uri="{FF2B5EF4-FFF2-40B4-BE49-F238E27FC236}">
-                <a16:creationId xmlns:a16="http://schemas.microsoft.com/office/drawing/2014/main" id="{5622F4B4-22F5-A04D-96A0-47B872FC259C}"/>
-              </a:ext>
-            </a:extLst>
-          </p:cNvPr>
-          <p:cNvPicPr>
-            <a:picLocks noChangeAspect="1"/>
-          </p:cNvPicPr>
-          <p:nvPr/>
-        </p:nvPicPr>
-        <p:blipFill>
-          <a:blip r:embed="rId8"/>
-          <a:stretch>
-            <a:fillRect/>
-          </a:stretch>
-        </p:blipFill>
-        <p:spPr>
-          <a:xfrm>
-            <a:off x="6241542" y="3913637"/>
-            <a:ext cx="2552505" cy="1626319"/>
-          </a:xfrm>
-          <a:prstGeom prst="rect">
-            <a:avLst/>
-          </a:prstGeom>
-        </p:spPr>
-      </p:pic>
-      <p:sp>
-        <p:nvSpPr>
-          <p:cNvPr id="50" name="CuadroTexto 49">
-            <a:extLst>
-              <a:ext uri="{FF2B5EF4-FFF2-40B4-BE49-F238E27FC236}">
-                <a16:creationId xmlns:a16="http://schemas.microsoft.com/office/drawing/2014/main" id="{FDDCDA56-0529-4B47-B5DC-63C3FF9731D8}"/>
-              </a:ext>
-            </a:extLst>
-          </p:cNvPr>
-          <p:cNvSpPr txBox="1"/>
-          <p:nvPr/>
-        </p:nvSpPr>
-        <p:spPr>
-          <a:xfrm>
-            <a:off x="6494255" y="5529728"/>
-            <a:ext cx="2155077" cy="276999"/>
-          </a:xfrm>
-          <a:prstGeom prst="rect">
-            <a:avLst/>
-          </a:prstGeom>
-          <a:noFill/>
-        </p:spPr>
-        <p:txBody>
-          <a:bodyPr wrap="none" rtlCol="0">
-            <a:spAutoFit/>
-          </a:bodyPr>
-          <a:lstStyle/>
-          <a:p>
-            <a:pPr algn="ctr"/>
-            <a:r>
-              <a:rPr lang="es-ES" sz="1200" dirty="0"/>
-              <a:t>EDITAR EL NOMBRE DEL CURSO</a:t>
-            </a:r>
-            <a:endParaRPr sz="1200" dirty="0"/>
-          </a:p>
-        </p:txBody>
-      </p:sp>
-      <p:pic>
-        <p:nvPicPr>
-          <p:cNvPr id="69" name="Imagen 68">
-            <a:extLst>
-              <a:ext uri="{FF2B5EF4-FFF2-40B4-BE49-F238E27FC236}">
-                <a16:creationId xmlns:a16="http://schemas.microsoft.com/office/drawing/2014/main" id="{FEDF2CB8-2BA6-4945-B547-EF68271D58DF}"/>
-              </a:ext>
-            </a:extLst>
-          </p:cNvPr>
-          <p:cNvPicPr>
-            <a:picLocks noChangeAspect="1"/>
-          </p:cNvPicPr>
-          <p:nvPr/>
-        </p:nvPicPr>
-        <p:blipFill>
-          <a:blip r:embed="rId9"/>
-          <a:stretch>
-            <a:fillRect/>
-          </a:stretch>
-        </p:blipFill>
-        <p:spPr>
-          <a:xfrm>
-            <a:off x="3275959" y="3932824"/>
-            <a:ext cx="2552505" cy="1607132"/>
-          </a:xfrm>
-          <a:prstGeom prst="rect">
-            <a:avLst/>
-          </a:prstGeom>
-        </p:spPr>
-      </p:pic>
-      <p:cxnSp>
-        <p:nvCxnSpPr>
-          <p:cNvPr id="82" name="Conector recto de flecha 81">
-            <a:extLst>
-              <a:ext uri="{FF2B5EF4-FFF2-40B4-BE49-F238E27FC236}">
-                <a16:creationId xmlns:a16="http://schemas.microsoft.com/office/drawing/2014/main" id="{56927557-30B1-4548-876A-D53861E146BB}"/>
-              </a:ext>
-            </a:extLst>
-          </p:cNvPr>
-          <p:cNvCxnSpPr>
-            <a:cxnSpLocks/>
-          </p:cNvCxnSpPr>
-          <p:nvPr/>
-        </p:nvCxnSpPr>
-        <p:spPr>
-          <a:xfrm flipV="1">
-            <a:off x="5749365" y="1999345"/>
-            <a:ext cx="433720" cy="2173"/>
-          </a:xfrm>
-          <a:prstGeom prst="straightConnector1">
-            <a:avLst/>
-          </a:prstGeom>
-          <a:ln>
-            <a:tailEnd type="triangle"/>
-          </a:ln>
-        </p:spPr>
-        <p:style>
-          <a:lnRef idx="1">
-            <a:schemeClr val="accent1"/>
-          </a:lnRef>
-          <a:fillRef idx="0">
-            <a:schemeClr val="accent1"/>
-          </a:fillRef>
-          <a:effectRef idx="0">
-            <a:schemeClr val="accent1"/>
-          </a:effectRef>
-          <a:fontRef idx="minor">
-            <a:schemeClr val="tx1"/>
-          </a:fontRef>
-        </p:style>
-      </p:cxnSp>
-      <p:cxnSp>
-        <p:nvCxnSpPr>
-          <p:cNvPr id="86" name="Conector recto de flecha 85">
-            <a:extLst>
-              <a:ext uri="{FF2B5EF4-FFF2-40B4-BE49-F238E27FC236}">
-                <a16:creationId xmlns:a16="http://schemas.microsoft.com/office/drawing/2014/main" id="{D9130D0E-328F-A040-9CB6-ABE1B92FCF3D}"/>
-              </a:ext>
-            </a:extLst>
-          </p:cNvPr>
-          <p:cNvCxnSpPr>
-            <a:cxnSpLocks/>
-          </p:cNvCxnSpPr>
-          <p:nvPr/>
-        </p:nvCxnSpPr>
-        <p:spPr>
-          <a:xfrm flipV="1">
-            <a:off x="8732754" y="2042210"/>
-            <a:ext cx="433720" cy="2173"/>
-          </a:xfrm>
-          <a:prstGeom prst="straightConnector1">
-            <a:avLst/>
-          </a:prstGeom>
-          <a:ln>
-            <a:tailEnd type="triangle"/>
-          </a:ln>
-        </p:spPr>
-        <p:style>
-          <a:lnRef idx="1">
-            <a:schemeClr val="accent1"/>
-          </a:lnRef>
-          <a:fillRef idx="0">
-            <a:schemeClr val="accent1"/>
-          </a:fillRef>
-          <a:effectRef idx="0">
-            <a:schemeClr val="accent1"/>
-          </a:effectRef>
-          <a:fontRef idx="minor">
-            <a:schemeClr val="tx1"/>
-          </a:fontRef>
-        </p:style>
-      </p:cxnSp>
-      <p:sp>
-        <p:nvSpPr>
-          <p:cNvPr id="87" name="CuadroTexto 86">
-            <a:extLst>
-              <a:ext uri="{FF2B5EF4-FFF2-40B4-BE49-F238E27FC236}">
-                <a16:creationId xmlns:a16="http://schemas.microsoft.com/office/drawing/2014/main" id="{BD66AA3D-9797-AF47-8E3B-55CC397FE453}"/>
-              </a:ext>
-            </a:extLst>
-          </p:cNvPr>
-          <p:cNvSpPr txBox="1"/>
-          <p:nvPr/>
-        </p:nvSpPr>
-        <p:spPr>
-          <a:xfrm>
-            <a:off x="9166474" y="2850104"/>
-            <a:ext cx="2558025" cy="461665"/>
-          </a:xfrm>
-          <a:prstGeom prst="rect">
-            <a:avLst/>
-          </a:prstGeom>
-          <a:noFill/>
-        </p:spPr>
-        <p:txBody>
-          <a:bodyPr wrap="square" rtlCol="0">
-            <a:spAutoFit/>
-          </a:bodyPr>
-          <a:lstStyle/>
-          <a:p>
-            <a:pPr algn="ctr"/>
-            <a:r>
-              <a:rPr lang="es-ES" sz="1200" dirty="0"/>
-              <a:t>CREAR UN NUEVO CURSO, PONER EL NOMBRE</a:t>
-            </a:r>
-            <a:endParaRPr sz="1200" dirty="0"/>
-          </a:p>
-        </p:txBody>
-      </p:sp>
-      <p:cxnSp>
-        <p:nvCxnSpPr>
-          <p:cNvPr id="90" name="Conector recto de flecha 89">
-            <a:extLst>
-              <a:ext uri="{FF2B5EF4-FFF2-40B4-BE49-F238E27FC236}">
-                <a16:creationId xmlns:a16="http://schemas.microsoft.com/office/drawing/2014/main" id="{683D5B57-0C70-A040-82EB-AE539D3EE977}"/>
-              </a:ext>
-            </a:extLst>
-          </p:cNvPr>
-          <p:cNvCxnSpPr>
-            <a:stCxn id="87" idx="0"/>
-            <a:endCxn id="43" idx="0"/>
-          </p:cNvCxnSpPr>
-          <p:nvPr/>
-        </p:nvCxnSpPr>
-        <p:spPr>
-          <a:xfrm>
-            <a:off x="10445487" y="2850104"/>
-            <a:ext cx="26715" cy="1063533"/>
-          </a:xfrm>
-          <a:prstGeom prst="straightConnector1">
-            <a:avLst/>
-          </a:prstGeom>
-          <a:ln>
-            <a:tailEnd type="triangle"/>
-          </a:ln>
-        </p:spPr>
-        <p:style>
-          <a:lnRef idx="1">
-            <a:schemeClr val="accent1"/>
-          </a:lnRef>
-          <a:fillRef idx="0">
-            <a:schemeClr val="accent1"/>
-          </a:fillRef>
-          <a:effectRef idx="0">
-            <a:schemeClr val="accent1"/>
-          </a:effectRef>
-          <a:fontRef idx="minor">
-            <a:schemeClr val="tx1"/>
-          </a:fontRef>
-        </p:style>
-      </p:cxnSp>
-      <p:cxnSp>
-        <p:nvCxnSpPr>
-          <p:cNvPr id="92" name="Conector recto de flecha 91">
-            <a:extLst>
-              <a:ext uri="{FF2B5EF4-FFF2-40B4-BE49-F238E27FC236}">
-                <a16:creationId xmlns:a16="http://schemas.microsoft.com/office/drawing/2014/main" id="{543EFC71-0108-E04F-A660-F0DDB5984179}"/>
-              </a:ext>
-            </a:extLst>
-          </p:cNvPr>
-          <p:cNvCxnSpPr>
-            <a:cxnSpLocks/>
-            <a:stCxn id="43" idx="1"/>
-            <a:endCxn id="46" idx="3"/>
-          </p:cNvCxnSpPr>
-          <p:nvPr/>
-        </p:nvCxnSpPr>
-        <p:spPr>
-          <a:xfrm flipH="1">
-            <a:off x="8794047" y="4721683"/>
-            <a:ext cx="399142" cy="5114"/>
-          </a:xfrm>
-          <a:prstGeom prst="straightConnector1">
-            <a:avLst/>
-          </a:prstGeom>
-          <a:ln>
-            <a:tailEnd type="triangle"/>
-          </a:ln>
-        </p:spPr>
-        <p:style>
-          <a:lnRef idx="1">
-            <a:schemeClr val="accent1"/>
-          </a:lnRef>
-          <a:fillRef idx="0">
-            <a:schemeClr val="accent1"/>
-          </a:fillRef>
-          <a:effectRef idx="0">
-            <a:schemeClr val="accent1"/>
-          </a:effectRef>
-          <a:fontRef idx="minor">
-            <a:schemeClr val="tx1"/>
-          </a:fontRef>
-        </p:style>
-      </p:cxnSp>
-      <p:cxnSp>
-        <p:nvCxnSpPr>
-          <p:cNvPr id="95" name="Conector recto de flecha 94">
-            <a:extLst>
-              <a:ext uri="{FF2B5EF4-FFF2-40B4-BE49-F238E27FC236}">
-                <a16:creationId xmlns:a16="http://schemas.microsoft.com/office/drawing/2014/main" id="{8A9E13D0-2F1F-0142-B1C2-B49E49A85EB3}"/>
-              </a:ext>
-            </a:extLst>
-          </p:cNvPr>
-          <p:cNvCxnSpPr>
-            <a:cxnSpLocks/>
-            <a:stCxn id="46" idx="1"/>
-            <a:endCxn id="69" idx="3"/>
-          </p:cNvCxnSpPr>
-          <p:nvPr/>
-        </p:nvCxnSpPr>
-        <p:spPr>
-          <a:xfrm flipH="1">
-            <a:off x="5828464" y="4726797"/>
-            <a:ext cx="413078" cy="9593"/>
-          </a:xfrm>
-          <a:prstGeom prst="straightConnector1">
-            <a:avLst/>
-          </a:prstGeom>
-          <a:ln>
-            <a:tailEnd type="triangle"/>
-          </a:ln>
-        </p:spPr>
-        <p:style>
-          <a:lnRef idx="1">
-            <a:schemeClr val="accent1"/>
-          </a:lnRef>
-          <a:fillRef idx="0">
-            <a:schemeClr val="accent1"/>
-          </a:fillRef>
-          <a:effectRef idx="0">
-            <a:schemeClr val="accent1"/>
-          </a:effectRef>
-          <a:fontRef idx="minor">
-            <a:schemeClr val="tx1"/>
-          </a:fontRef>
-        </p:style>
-      </p:cxnSp>
-      <p:sp>
-        <p:nvSpPr>
-          <p:cNvPr id="104" name="CuadroTexto 103">
-            <a:extLst>
-              <a:ext uri="{FF2B5EF4-FFF2-40B4-BE49-F238E27FC236}">
-                <a16:creationId xmlns:a16="http://schemas.microsoft.com/office/drawing/2014/main" id="{38106E32-343C-1C4D-953D-2456358F7E1A}"/>
-              </a:ext>
-            </a:extLst>
-          </p:cNvPr>
-          <p:cNvSpPr txBox="1"/>
-          <p:nvPr/>
-        </p:nvSpPr>
-        <p:spPr>
-          <a:xfrm>
-            <a:off x="3085951" y="5539956"/>
-            <a:ext cx="2932534" cy="600164"/>
-          </a:xfrm>
-          <a:prstGeom prst="rect">
-            <a:avLst/>
-          </a:prstGeom>
-          <a:noFill/>
-        </p:spPr>
-        <p:txBody>
-          <a:bodyPr wrap="none" rtlCol="0">
-            <a:spAutoFit/>
-          </a:bodyPr>
-          <a:lstStyle/>
-          <a:p>
-            <a:pPr algn="ctr"/>
-            <a:r>
-              <a:rPr lang="es-ES" sz="1200" dirty="0"/>
-              <a:t>SELECCIONA EL CURSO Y LO BORRA</a:t>
-            </a:r>
-          </a:p>
-          <a:p>
-            <a:pPr algn="ctr"/>
-            <a:r>
-              <a:rPr lang="es-ES" sz="1200" dirty="0">
-                <a:solidFill>
-                  <a:srgbClr val="FF0000"/>
-                </a:solidFill>
-              </a:rPr>
-              <a:t>FALTA OPCIÓN DE CONFIRMAR EL ELIMINAR</a:t>
-            </a:r>
-          </a:p>
-          <a:p>
-            <a:pPr algn="ctr"/>
-            <a:endParaRPr sz="900" dirty="0"/>
-          </a:p>
-        </p:txBody>
-      </p:sp>
-      <p:sp>
-        <p:nvSpPr>
-          <p:cNvPr id="108" name="Marco 107">
-            <a:extLst>
-              <a:ext uri="{FF2B5EF4-FFF2-40B4-BE49-F238E27FC236}">
-                <a16:creationId xmlns:a16="http://schemas.microsoft.com/office/drawing/2014/main" id="{32109C76-D90F-2349-B47E-FEE62FA41BCF}"/>
-              </a:ext>
-            </a:extLst>
-          </p:cNvPr>
-          <p:cNvSpPr/>
-          <p:nvPr/>
-        </p:nvSpPr>
-        <p:spPr>
-          <a:xfrm>
-            <a:off x="3435927" y="1814945"/>
-            <a:ext cx="581891" cy="831600"/>
-          </a:xfrm>
-          <a:prstGeom prst="frame">
-            <a:avLst/>
-          </a:prstGeom>
-          <a:solidFill>
-            <a:srgbClr val="FF0000"/>
-          </a:solidFill>
-          <a:ln w="0">
-            <a:noFill/>
-          </a:ln>
-        </p:spPr>
-        <p:style>
-          <a:lnRef idx="2">
-            <a:schemeClr val="accent1">
-              <a:shade val="50000"/>
-            </a:schemeClr>
-          </a:lnRef>
-          <a:fillRef idx="1">
-            <a:schemeClr val="accent1"/>
-          </a:fillRef>
-          <a:effectRef idx="0">
-            <a:schemeClr val="accent1"/>
-          </a:effectRef>
-          <a:fontRef idx="minor">
-            <a:schemeClr val="lt1"/>
-          </a:fontRef>
-        </p:style>
-        <p:txBody>
-          <a:bodyPr rtlCol="0" anchor="ctr"/>
-          <a:lstStyle/>
-          <a:p>
-            <a:pPr algn="ctr"/>
-            <a:endParaRPr>
-              <a:solidFill>
-                <a:schemeClr val="tx1"/>
-              </a:solidFill>
-            </a:endParaRPr>
-          </a:p>
-        </p:txBody>
-      </p:sp>
-      <p:sp>
-        <p:nvSpPr>
-          <p:cNvPr id="110" name="Marco 109">
-            <a:extLst>
-              <a:ext uri="{FF2B5EF4-FFF2-40B4-BE49-F238E27FC236}">
-                <a16:creationId xmlns:a16="http://schemas.microsoft.com/office/drawing/2014/main" id="{2BB1065B-27A8-C141-B860-5C8F0F52D207}"/>
-              </a:ext>
-            </a:extLst>
-          </p:cNvPr>
-          <p:cNvSpPr/>
-          <p:nvPr/>
-        </p:nvSpPr>
-        <p:spPr>
-          <a:xfrm>
-            <a:off x="818033" y="1814945"/>
-            <a:ext cx="581891" cy="831600"/>
-          </a:xfrm>
-          <a:prstGeom prst="frame">
-            <a:avLst/>
-          </a:prstGeom>
-          <a:solidFill>
-            <a:srgbClr val="FF0000"/>
-          </a:solidFill>
-          <a:ln w="0">
-            <a:noFill/>
-          </a:ln>
-        </p:spPr>
-        <p:style>
-          <a:lnRef idx="2">
-            <a:schemeClr val="accent1">
-              <a:shade val="50000"/>
-            </a:schemeClr>
-          </a:lnRef>
-          <a:fillRef idx="1">
-            <a:schemeClr val="accent1"/>
-          </a:fillRef>
-          <a:effectRef idx="0">
-            <a:schemeClr val="accent1"/>
-          </a:effectRef>
-          <a:fontRef idx="minor">
-            <a:schemeClr val="lt1"/>
-          </a:fontRef>
-        </p:style>
-        <p:txBody>
-          <a:bodyPr rtlCol="0" anchor="ctr"/>
-          <a:lstStyle/>
-          <a:p>
-            <a:pPr algn="ctr"/>
-            <a:endParaRPr>
-              <a:solidFill>
-                <a:schemeClr val="tx1"/>
-              </a:solidFill>
-            </a:endParaRPr>
-          </a:p>
-        </p:txBody>
-      </p:sp>
-      <p:sp>
-        <p:nvSpPr>
-          <p:cNvPr id="111" name="Marco 110">
-            <a:extLst>
-              <a:ext uri="{FF2B5EF4-FFF2-40B4-BE49-F238E27FC236}">
-                <a16:creationId xmlns:a16="http://schemas.microsoft.com/office/drawing/2014/main" id="{C1BB2F64-A69F-4040-9014-C6E25A52AA74}"/>
-              </a:ext>
-            </a:extLst>
-          </p:cNvPr>
-          <p:cNvSpPr/>
-          <p:nvPr/>
-        </p:nvSpPr>
-        <p:spPr>
-          <a:xfrm>
-            <a:off x="6442210" y="2410691"/>
-            <a:ext cx="581891" cy="341530"/>
-          </a:xfrm>
-          <a:prstGeom prst="frame">
-            <a:avLst/>
-          </a:prstGeom>
-          <a:solidFill>
-            <a:srgbClr val="FF0000"/>
-          </a:solidFill>
-          <a:ln w="0">
-            <a:noFill/>
-          </a:ln>
-        </p:spPr>
-        <p:style>
-          <a:lnRef idx="2">
-            <a:schemeClr val="accent1">
-              <a:shade val="50000"/>
-            </a:schemeClr>
-          </a:lnRef>
-          <a:fillRef idx="1">
-            <a:schemeClr val="accent1"/>
-          </a:fillRef>
-          <a:effectRef idx="0">
-            <a:schemeClr val="accent1"/>
-          </a:effectRef>
-          <a:fontRef idx="minor">
-            <a:schemeClr val="lt1"/>
-          </a:fontRef>
-        </p:style>
-        <p:txBody>
-          <a:bodyPr rtlCol="0" anchor="ctr"/>
-          <a:lstStyle/>
-          <a:p>
-            <a:pPr algn="ctr"/>
-            <a:endParaRPr>
-              <a:solidFill>
-                <a:schemeClr val="tx1"/>
-              </a:solidFill>
-            </a:endParaRPr>
-          </a:p>
-        </p:txBody>
-      </p:sp>
-      <p:sp>
-        <p:nvSpPr>
-          <p:cNvPr id="112" name="Marco 111">
-            <a:extLst>
-              <a:ext uri="{FF2B5EF4-FFF2-40B4-BE49-F238E27FC236}">
-                <a16:creationId xmlns:a16="http://schemas.microsoft.com/office/drawing/2014/main" id="{69F784EB-1436-4A49-A18E-06A08A7738B6}"/>
-              </a:ext>
-            </a:extLst>
-          </p:cNvPr>
-          <p:cNvSpPr/>
-          <p:nvPr/>
-        </p:nvSpPr>
-        <p:spPr>
-          <a:xfrm>
-            <a:off x="4981220" y="5163044"/>
-            <a:ext cx="581891" cy="341530"/>
-          </a:xfrm>
-          <a:prstGeom prst="frame">
-            <a:avLst/>
-          </a:prstGeom>
-          <a:solidFill>
-            <a:srgbClr val="FF0000"/>
-          </a:solidFill>
-          <a:ln w="0">
-            <a:noFill/>
-          </a:ln>
-        </p:spPr>
-        <p:style>
-          <a:lnRef idx="2">
-            <a:schemeClr val="accent1">
-              <a:shade val="50000"/>
-            </a:schemeClr>
-          </a:lnRef>
-          <a:fillRef idx="1">
-            <a:schemeClr val="accent1"/>
-          </a:fillRef>
-          <a:effectRef idx="0">
-            <a:schemeClr val="accent1"/>
-          </a:effectRef>
-          <a:fontRef idx="minor">
-            <a:schemeClr val="lt1"/>
-          </a:fontRef>
-        </p:style>
-        <p:txBody>
-          <a:bodyPr rtlCol="0" anchor="ctr"/>
-          <a:lstStyle/>
-          <a:p>
-            <a:pPr algn="ctr"/>
-            <a:endParaRPr>
-              <a:solidFill>
-                <a:schemeClr val="tx1"/>
-              </a:solidFill>
-            </a:endParaRPr>
-          </a:p>
-        </p:txBody>
-      </p:sp>
-      <p:sp>
-        <p:nvSpPr>
-          <p:cNvPr id="113" name="Marco 112">
-            <a:extLst>
-              <a:ext uri="{FF2B5EF4-FFF2-40B4-BE49-F238E27FC236}">
-                <a16:creationId xmlns:a16="http://schemas.microsoft.com/office/drawing/2014/main" id="{5CD90398-2125-9342-94C7-D98787A03C4B}"/>
-              </a:ext>
-            </a:extLst>
-          </p:cNvPr>
-          <p:cNvSpPr/>
-          <p:nvPr/>
-        </p:nvSpPr>
-        <p:spPr>
-          <a:xfrm>
-            <a:off x="10083085" y="5108979"/>
-            <a:ext cx="581891" cy="341530"/>
-          </a:xfrm>
-          <a:prstGeom prst="frame">
-            <a:avLst/>
-          </a:prstGeom>
-          <a:solidFill>
-            <a:srgbClr val="FF0000"/>
-          </a:solidFill>
-          <a:ln w="0">
-            <a:noFill/>
-          </a:ln>
-        </p:spPr>
-        <p:style>
-          <a:lnRef idx="2">
-            <a:schemeClr val="accent1">
-              <a:shade val="50000"/>
-            </a:schemeClr>
-          </a:lnRef>
-          <a:fillRef idx="1">
-            <a:schemeClr val="accent1"/>
-          </a:fillRef>
-          <a:effectRef idx="0">
-            <a:schemeClr val="accent1"/>
-          </a:effectRef>
-          <a:fontRef idx="minor">
-            <a:schemeClr val="lt1"/>
-          </a:fontRef>
-        </p:style>
-        <p:txBody>
-          <a:bodyPr rtlCol="0" anchor="ctr"/>
-          <a:lstStyle/>
-          <a:p>
-            <a:pPr algn="ctr"/>
-            <a:endParaRPr>
-              <a:solidFill>
-                <a:schemeClr val="tx1"/>
-              </a:solidFill>
-            </a:endParaRPr>
-          </a:p>
-        </p:txBody>
-      </p:sp>
-      <p:sp>
-        <p:nvSpPr>
-          <p:cNvPr id="114" name="Título 1">
-            <a:extLst>
-              <a:ext uri="{FF2B5EF4-FFF2-40B4-BE49-F238E27FC236}">
-                <a16:creationId xmlns:a16="http://schemas.microsoft.com/office/drawing/2014/main" id="{55F6401E-DC2C-2842-8CAD-5FC36133B7A5}"/>
-              </a:ext>
-            </a:extLst>
-          </p:cNvPr>
-          <p:cNvSpPr txBox="1">
-            <a:spLocks/>
-          </p:cNvSpPr>
-          <p:nvPr/>
-        </p:nvSpPr>
-        <p:spPr>
-          <a:xfrm>
-            <a:off x="294026" y="431785"/>
-            <a:ext cx="1966353" cy="655566"/>
-          </a:xfrm>
-          <a:prstGeom prst="rect">
-            <a:avLst/>
-          </a:prstGeom>
-        </p:spPr>
-        <p:txBody>
-          <a:bodyPr vert="horz" lIns="91440" tIns="45720" rIns="91440" bIns="45720" rtlCol="0" anchor="b">
-            <a:normAutofit/>
-          </a:bodyPr>
-          <a:lstStyle>
-            <a:lvl1pPr algn="ctr" defTabSz="914400" rtl="0" eaLnBrk="1" latinLnBrk="0" hangingPunct="1">
-              <a:lnSpc>
-                <a:spcPct val="90000"/>
-              </a:lnSpc>
-              <a:spcBef>
-                <a:spcPct val="0"/>
-              </a:spcBef>
-              <a:buNone/>
-              <a:defRPr sz="6000" kern="1200">
-                <a:solidFill>
-                  <a:schemeClr val="tx1"/>
-                </a:solidFill>
-                <a:latin typeface="+mj-lt"/>
-                <a:ea typeface="+mj-ea"/>
-                <a:cs typeface="+mj-cs"/>
-              </a:defRPr>
-            </a:lvl1pPr>
-          </a:lstStyle>
-          <a:p>
-            <a:r>
-              <a:rPr lang="es-ES" sz="4000" dirty="0"/>
-              <a:t>CURSOS</a:t>
-            </a:r>
-          </a:p>
-        </p:txBody>
-      </p:sp>
-    </p:spTree>
-    <p:extLst>
-      <p:ext uri="{BB962C8B-B14F-4D97-AF65-F5344CB8AC3E}">
-        <p14:creationId xmlns:p14="http://schemas.microsoft.com/office/powerpoint/2010/main" val="789282670"/>
       </p:ext>
     </p:extLst>
   </p:cSld>
@@ -6188,7 +5332,7 @@
         </p:blipFill>
         <p:spPr>
           <a:xfrm>
-            <a:off x="423778" y="1227292"/>
+            <a:off x="3275959" y="1227292"/>
             <a:ext cx="2475119" cy="1566762"/>
           </a:xfrm>
           <a:prstGeom prst="rect">
@@ -6198,10 +5342,10 @@
       </p:pic>
       <p:sp>
         <p:nvSpPr>
-          <p:cNvPr id="44" name="CuadroTexto 43">
-            <a:extLst>
-              <a:ext uri="{FF2B5EF4-FFF2-40B4-BE49-F238E27FC236}">
-                <a16:creationId xmlns:a16="http://schemas.microsoft.com/office/drawing/2014/main" id="{0BB11CFD-7D16-EC49-B0D8-31462F7CB650}"/>
+          <p:cNvPr id="15" name="CuadroTexto 14">
+            <a:extLst>
+              <a:ext uri="{FF2B5EF4-FFF2-40B4-BE49-F238E27FC236}">
+                <a16:creationId xmlns:a16="http://schemas.microsoft.com/office/drawing/2014/main" id="{61AFCB83-8A76-7E45-9CCC-B6C04630289F}"/>
               </a:ext>
             </a:extLst>
           </p:cNvPr>
@@ -6210,8 +5354,192 @@
         </p:nvSpPr>
         <p:spPr>
           <a:xfrm>
-            <a:off x="9806539" y="5509172"/>
-            <a:ext cx="1324722" cy="276999"/>
+            <a:off x="386445" y="2809621"/>
+            <a:ext cx="2337651" cy="461665"/>
+          </a:xfrm>
+          <a:prstGeom prst="rect">
+            <a:avLst/>
+          </a:prstGeom>
+          <a:noFill/>
+        </p:spPr>
+        <p:txBody>
+          <a:bodyPr wrap="square" rtlCol="0">
+            <a:spAutoFit/>
+          </a:bodyPr>
+          <a:lstStyle/>
+          <a:p>
+            <a:pPr algn="ctr"/>
+            <a:r>
+              <a:rPr lang="es-ES" sz="1200" dirty="0"/>
+              <a:t>PÁGINA PRINCIPAL DEL PROFESOR</a:t>
+            </a:r>
+          </a:p>
+          <a:p>
+            <a:pPr algn="ctr"/>
+            <a:r>
+              <a:rPr lang="es-ES" sz="1200" dirty="0"/>
+              <a:t>OPCIONES </a:t>
+            </a:r>
+            <a:endParaRPr sz="1200" dirty="0"/>
+          </a:p>
+        </p:txBody>
+      </p:sp>
+      <p:pic>
+        <p:nvPicPr>
+          <p:cNvPr id="22" name="Imagen 21">
+            <a:extLst>
+              <a:ext uri="{FF2B5EF4-FFF2-40B4-BE49-F238E27FC236}">
+                <a16:creationId xmlns:a16="http://schemas.microsoft.com/office/drawing/2014/main" id="{1BD7A14C-4474-F342-9E6F-8FB0DBAFEC61}"/>
+              </a:ext>
+            </a:extLst>
+          </p:cNvPr>
+          <p:cNvPicPr>
+            <a:picLocks noChangeAspect="1"/>
+          </p:cNvPicPr>
+          <p:nvPr/>
+        </p:nvPicPr>
+        <p:blipFill>
+          <a:blip r:embed="rId4"/>
+          <a:stretch>
+            <a:fillRect/>
+          </a:stretch>
+        </p:blipFill>
+        <p:spPr>
+          <a:xfrm>
+            <a:off x="376538" y="1233249"/>
+            <a:ext cx="2465701" cy="1559194"/>
+          </a:xfrm>
+          <a:prstGeom prst="rect">
+            <a:avLst/>
+          </a:prstGeom>
+        </p:spPr>
+      </p:pic>
+      <p:cxnSp>
+        <p:nvCxnSpPr>
+          <p:cNvPr id="28" name="Conector recto de flecha 27">
+            <a:extLst>
+              <a:ext uri="{FF2B5EF4-FFF2-40B4-BE49-F238E27FC236}">
+                <a16:creationId xmlns:a16="http://schemas.microsoft.com/office/drawing/2014/main" id="{C5CF75A1-8631-FA43-AA43-5EBF22A49851}"/>
+              </a:ext>
+            </a:extLst>
+          </p:cNvPr>
+          <p:cNvCxnSpPr>
+            <a:cxnSpLocks/>
+            <a:stCxn id="22" idx="3"/>
+            <a:endCxn id="5" idx="1"/>
+          </p:cNvCxnSpPr>
+          <p:nvPr/>
+        </p:nvCxnSpPr>
+        <p:spPr>
+          <a:xfrm flipV="1">
+            <a:off x="2842239" y="2010673"/>
+            <a:ext cx="433720" cy="2173"/>
+          </a:xfrm>
+          <a:prstGeom prst="straightConnector1">
+            <a:avLst/>
+          </a:prstGeom>
+          <a:ln>
+            <a:tailEnd type="triangle"/>
+          </a:ln>
+        </p:spPr>
+        <p:style>
+          <a:lnRef idx="1">
+            <a:schemeClr val="accent1"/>
+          </a:lnRef>
+          <a:fillRef idx="0">
+            <a:schemeClr val="accent1"/>
+          </a:fillRef>
+          <a:effectRef idx="0">
+            <a:schemeClr val="accent1"/>
+          </a:effectRef>
+          <a:fontRef idx="minor">
+            <a:schemeClr val="tx1"/>
+          </a:fontRef>
+        </p:style>
+      </p:cxnSp>
+      <p:sp>
+        <p:nvSpPr>
+          <p:cNvPr id="29" name="CuadroTexto 28">
+            <a:extLst>
+              <a:ext uri="{FF2B5EF4-FFF2-40B4-BE49-F238E27FC236}">
+                <a16:creationId xmlns:a16="http://schemas.microsoft.com/office/drawing/2014/main" id="{4BE91E04-1027-C44D-AF5E-BB2AE6ABC5BF}"/>
+              </a:ext>
+            </a:extLst>
+          </p:cNvPr>
+          <p:cNvSpPr txBox="1"/>
+          <p:nvPr/>
+        </p:nvSpPr>
+        <p:spPr>
+          <a:xfrm>
+            <a:off x="3186766" y="2761865"/>
+            <a:ext cx="2337651" cy="461665"/>
+          </a:xfrm>
+          <a:prstGeom prst="rect">
+            <a:avLst/>
+          </a:prstGeom>
+          <a:noFill/>
+        </p:spPr>
+        <p:txBody>
+          <a:bodyPr wrap="square" rtlCol="0">
+            <a:spAutoFit/>
+          </a:bodyPr>
+          <a:lstStyle/>
+          <a:p>
+            <a:pPr algn="ctr"/>
+            <a:r>
+              <a:rPr lang="es-ES" sz="1200" dirty="0"/>
+              <a:t>OPCIONES DENTRO DE LA OPCION CURSO (INGRESA A CURSO)</a:t>
+            </a:r>
+            <a:endParaRPr sz="1200" dirty="0"/>
+          </a:p>
+        </p:txBody>
+      </p:sp>
+      <p:pic>
+        <p:nvPicPr>
+          <p:cNvPr id="31" name="Imagen 30">
+            <a:extLst>
+              <a:ext uri="{FF2B5EF4-FFF2-40B4-BE49-F238E27FC236}">
+                <a16:creationId xmlns:a16="http://schemas.microsoft.com/office/drawing/2014/main" id="{7732AD9D-5D25-A94E-8EC2-0CE846147D4C}"/>
+              </a:ext>
+            </a:extLst>
+          </p:cNvPr>
+          <p:cNvPicPr>
+            <a:picLocks noChangeAspect="1"/>
+          </p:cNvPicPr>
+          <p:nvPr/>
+        </p:nvPicPr>
+        <p:blipFill>
+          <a:blip r:embed="rId5"/>
+          <a:stretch>
+            <a:fillRect/>
+          </a:stretch>
+        </p:blipFill>
+        <p:spPr>
+          <a:xfrm>
+            <a:off x="9154496" y="1227292"/>
+            <a:ext cx="2558025" cy="1629836"/>
+          </a:xfrm>
+          <a:prstGeom prst="rect">
+            <a:avLst/>
+          </a:prstGeom>
+        </p:spPr>
+      </p:pic>
+      <p:sp>
+        <p:nvSpPr>
+          <p:cNvPr id="32" name="CuadroTexto 31">
+            <a:extLst>
+              <a:ext uri="{FF2B5EF4-FFF2-40B4-BE49-F238E27FC236}">
+                <a16:creationId xmlns:a16="http://schemas.microsoft.com/office/drawing/2014/main" id="{ADFDC80F-AE6F-AE4C-A4DD-24994CA66622}"/>
+              </a:ext>
+            </a:extLst>
+          </p:cNvPr>
+          <p:cNvSpPr txBox="1"/>
+          <p:nvPr/>
+        </p:nvSpPr>
+        <p:spPr>
+          <a:xfrm>
+            <a:off x="6594590" y="2850104"/>
+            <a:ext cx="1811970" cy="276999"/>
           </a:xfrm>
           <a:prstGeom prst="rect">
             <a:avLst/>
@@ -6227,12 +5555,206 @@
             <a:pPr algn="ctr"/>
             <a:r>
               <a:rPr lang="es-ES" sz="1200" dirty="0"/>
+              <a:t>BOTÓN DE NUEVO CURSO</a:t>
+            </a:r>
+            <a:endParaRPr sz="1200" dirty="0"/>
+          </a:p>
+        </p:txBody>
+      </p:sp>
+      <p:pic>
+        <p:nvPicPr>
+          <p:cNvPr id="41" name="Imagen 40">
+            <a:extLst>
+              <a:ext uri="{FF2B5EF4-FFF2-40B4-BE49-F238E27FC236}">
+                <a16:creationId xmlns:a16="http://schemas.microsoft.com/office/drawing/2014/main" id="{C2D1B44A-1B6B-EB42-B6CF-48B06BD754A6}"/>
+              </a:ext>
+            </a:extLst>
+          </p:cNvPr>
+          <p:cNvPicPr>
+            <a:picLocks noChangeAspect="1"/>
+          </p:cNvPicPr>
+          <p:nvPr/>
+        </p:nvPicPr>
+        <p:blipFill>
+          <a:blip r:embed="rId6"/>
+          <a:stretch>
+            <a:fillRect/>
+          </a:stretch>
+        </p:blipFill>
+        <p:spPr>
+          <a:xfrm>
+            <a:off x="6237722" y="1227292"/>
+            <a:ext cx="2482759" cy="1565151"/>
+          </a:xfrm>
+          <a:prstGeom prst="rect">
+            <a:avLst/>
+          </a:prstGeom>
+        </p:spPr>
+      </p:pic>
+      <p:pic>
+        <p:nvPicPr>
+          <p:cNvPr id="43" name="Imagen 42">
+            <a:extLst>
+              <a:ext uri="{FF2B5EF4-FFF2-40B4-BE49-F238E27FC236}">
+                <a16:creationId xmlns:a16="http://schemas.microsoft.com/office/drawing/2014/main" id="{B4C07BB4-F932-BC45-AB0A-46C54CD67727}"/>
+              </a:ext>
+            </a:extLst>
+          </p:cNvPr>
+          <p:cNvPicPr>
+            <a:picLocks noChangeAspect="1"/>
+          </p:cNvPicPr>
+          <p:nvPr/>
+        </p:nvPicPr>
+        <p:blipFill>
+          <a:blip r:embed="rId7"/>
+          <a:stretch>
+            <a:fillRect/>
+          </a:stretch>
+        </p:blipFill>
+        <p:spPr>
+          <a:xfrm>
+            <a:off x="9193189" y="3913637"/>
+            <a:ext cx="2558025" cy="1616092"/>
+          </a:xfrm>
+          <a:prstGeom prst="rect">
+            <a:avLst/>
+          </a:prstGeom>
+        </p:spPr>
+      </p:pic>
+      <p:sp>
+        <p:nvSpPr>
+          <p:cNvPr id="44" name="CuadroTexto 43">
+            <a:extLst>
+              <a:ext uri="{FF2B5EF4-FFF2-40B4-BE49-F238E27FC236}">
+                <a16:creationId xmlns:a16="http://schemas.microsoft.com/office/drawing/2014/main" id="{0BB11CFD-7D16-EC49-B0D8-31462F7CB650}"/>
+              </a:ext>
+            </a:extLst>
+          </p:cNvPr>
+          <p:cNvSpPr txBox="1"/>
+          <p:nvPr/>
+        </p:nvSpPr>
+        <p:spPr>
+          <a:xfrm>
+            <a:off x="9881761" y="5529729"/>
+            <a:ext cx="1324722" cy="276999"/>
+          </a:xfrm>
+          <a:prstGeom prst="rect">
+            <a:avLst/>
+          </a:prstGeom>
+          <a:noFill/>
+        </p:spPr>
+        <p:txBody>
+          <a:bodyPr wrap="none" rtlCol="0">
+            <a:spAutoFit/>
+          </a:bodyPr>
+          <a:lstStyle/>
+          <a:p>
+            <a:pPr algn="ctr"/>
+            <a:r>
+              <a:rPr lang="es-ES" sz="1200" dirty="0"/>
               <a:t>BOTÓN DE EDITAR</a:t>
             </a:r>
             <a:endParaRPr sz="1200" dirty="0"/>
           </a:p>
         </p:txBody>
       </p:sp>
+      <p:pic>
+        <p:nvPicPr>
+          <p:cNvPr id="46" name="Imagen 45">
+            <a:extLst>
+              <a:ext uri="{FF2B5EF4-FFF2-40B4-BE49-F238E27FC236}">
+                <a16:creationId xmlns:a16="http://schemas.microsoft.com/office/drawing/2014/main" id="{5622F4B4-22F5-A04D-96A0-47B872FC259C}"/>
+              </a:ext>
+            </a:extLst>
+          </p:cNvPr>
+          <p:cNvPicPr>
+            <a:picLocks noChangeAspect="1"/>
+          </p:cNvPicPr>
+          <p:nvPr/>
+        </p:nvPicPr>
+        <p:blipFill>
+          <a:blip r:embed="rId8"/>
+          <a:stretch>
+            <a:fillRect/>
+          </a:stretch>
+        </p:blipFill>
+        <p:spPr>
+          <a:xfrm>
+            <a:off x="6241542" y="3913637"/>
+            <a:ext cx="2552505" cy="1626319"/>
+          </a:xfrm>
+          <a:prstGeom prst="rect">
+            <a:avLst/>
+          </a:prstGeom>
+        </p:spPr>
+      </p:pic>
+      <p:sp>
+        <p:nvSpPr>
+          <p:cNvPr id="50" name="CuadroTexto 49">
+            <a:extLst>
+              <a:ext uri="{FF2B5EF4-FFF2-40B4-BE49-F238E27FC236}">
+                <a16:creationId xmlns:a16="http://schemas.microsoft.com/office/drawing/2014/main" id="{FDDCDA56-0529-4B47-B5DC-63C3FF9731D8}"/>
+              </a:ext>
+            </a:extLst>
+          </p:cNvPr>
+          <p:cNvSpPr txBox="1"/>
+          <p:nvPr/>
+        </p:nvSpPr>
+        <p:spPr>
+          <a:xfrm>
+            <a:off x="6494255" y="5529728"/>
+            <a:ext cx="2155077" cy="276999"/>
+          </a:xfrm>
+          <a:prstGeom prst="rect">
+            <a:avLst/>
+          </a:prstGeom>
+          <a:noFill/>
+        </p:spPr>
+        <p:txBody>
+          <a:bodyPr wrap="none" rtlCol="0">
+            <a:spAutoFit/>
+          </a:bodyPr>
+          <a:lstStyle/>
+          <a:p>
+            <a:pPr algn="ctr"/>
+            <a:r>
+              <a:rPr lang="es-ES" sz="1200" dirty="0"/>
+              <a:t>EDITAR EL NOMBRE DEL CURSO</a:t>
+            </a:r>
+            <a:endParaRPr sz="1200" dirty="0"/>
+          </a:p>
+        </p:txBody>
+      </p:sp>
+      <p:pic>
+        <p:nvPicPr>
+          <p:cNvPr id="69" name="Imagen 68">
+            <a:extLst>
+              <a:ext uri="{FF2B5EF4-FFF2-40B4-BE49-F238E27FC236}">
+                <a16:creationId xmlns:a16="http://schemas.microsoft.com/office/drawing/2014/main" id="{FEDF2CB8-2BA6-4945-B547-EF68271D58DF}"/>
+              </a:ext>
+            </a:extLst>
+          </p:cNvPr>
+          <p:cNvPicPr>
+            <a:picLocks noChangeAspect="1"/>
+          </p:cNvPicPr>
+          <p:nvPr/>
+        </p:nvPicPr>
+        <p:blipFill>
+          <a:blip r:embed="rId9"/>
+          <a:stretch>
+            <a:fillRect/>
+          </a:stretch>
+        </p:blipFill>
+        <p:spPr>
+          <a:xfrm>
+            <a:off x="3275959" y="3932824"/>
+            <a:ext cx="2552505" cy="1607132"/>
+          </a:xfrm>
+          <a:prstGeom prst="rect">
+            <a:avLst/>
+          </a:prstGeom>
+        </p:spPr>
+      </p:pic>
       <p:cxnSp>
         <p:nvCxnSpPr>
           <p:cNvPr id="82" name="Conector recto de flecha 81">
@@ -6249,7 +5771,7 @@
         </p:nvCxnSpPr>
         <p:spPr>
           <a:xfrm flipV="1">
-            <a:off x="5682929" y="2083718"/>
+            <a:off x="5749365" y="1999345"/>
             <a:ext cx="433720" cy="2173"/>
           </a:xfrm>
           <a:prstGeom prst="straightConnector1">
@@ -6315,6 +5837,43 @@
           </a:fontRef>
         </p:style>
       </p:cxnSp>
+      <p:sp>
+        <p:nvSpPr>
+          <p:cNvPr id="87" name="CuadroTexto 86">
+            <a:extLst>
+              <a:ext uri="{FF2B5EF4-FFF2-40B4-BE49-F238E27FC236}">
+                <a16:creationId xmlns:a16="http://schemas.microsoft.com/office/drawing/2014/main" id="{BD66AA3D-9797-AF47-8E3B-55CC397FE453}"/>
+              </a:ext>
+            </a:extLst>
+          </p:cNvPr>
+          <p:cNvSpPr txBox="1"/>
+          <p:nvPr/>
+        </p:nvSpPr>
+        <p:spPr>
+          <a:xfrm>
+            <a:off x="9166474" y="2850104"/>
+            <a:ext cx="2558025" cy="461665"/>
+          </a:xfrm>
+          <a:prstGeom prst="rect">
+            <a:avLst/>
+          </a:prstGeom>
+          <a:noFill/>
+        </p:spPr>
+        <p:txBody>
+          <a:bodyPr wrap="square" rtlCol="0">
+            <a:spAutoFit/>
+          </a:bodyPr>
+          <a:lstStyle/>
+          <a:p>
+            <a:pPr algn="ctr"/>
+            <a:r>
+              <a:rPr lang="es-ES" sz="1200" dirty="0"/>
+              <a:t>CREAR UN NUEVO CURSO, PONER EL NOMBRE</a:t>
+            </a:r>
+            <a:endParaRPr sz="1200" dirty="0"/>
+          </a:p>
+        </p:txBody>
+      </p:sp>
       <p:cxnSp>
         <p:nvCxnSpPr>
           <p:cNvPr id="90" name="Conector recto de flecha 89">
@@ -6325,15 +5884,15 @@
             </a:extLst>
           </p:cNvPr>
           <p:cNvCxnSpPr>
-            <a:cxnSpLocks/>
-            <a:stCxn id="39" idx="0"/>
+            <a:stCxn id="87" idx="0"/>
+            <a:endCxn id="43" idx="0"/>
           </p:cNvCxnSpPr>
           <p:nvPr/>
         </p:nvCxnSpPr>
         <p:spPr>
           <a:xfrm>
-            <a:off x="10433508" y="2818317"/>
-            <a:ext cx="0" cy="1126543"/>
+            <a:off x="10445487" y="2850104"/>
+            <a:ext cx="26715" cy="1063533"/>
           </a:xfrm>
           <a:prstGeom prst="straightConnector1">
             <a:avLst/>
@@ -6368,12 +5927,14 @@
           </p:cNvPr>
           <p:cNvCxnSpPr>
             <a:cxnSpLocks/>
+            <a:stCxn id="43" idx="1"/>
+            <a:endCxn id="46" idx="3"/>
           </p:cNvCxnSpPr>
           <p:nvPr/>
         </p:nvCxnSpPr>
         <p:spPr>
           <a:xfrm flipH="1">
-            <a:off x="8718825" y="4701126"/>
+            <a:off x="8794047" y="4721683"/>
             <a:ext cx="399142" cy="5114"/>
           </a:xfrm>
           <a:prstGeom prst="straightConnector1">
@@ -6398,6 +5959,100 @@
           </a:fontRef>
         </p:style>
       </p:cxnSp>
+      <p:cxnSp>
+        <p:nvCxnSpPr>
+          <p:cNvPr id="95" name="Conector recto de flecha 94">
+            <a:extLst>
+              <a:ext uri="{FF2B5EF4-FFF2-40B4-BE49-F238E27FC236}">
+                <a16:creationId xmlns:a16="http://schemas.microsoft.com/office/drawing/2014/main" id="{8A9E13D0-2F1F-0142-B1C2-B49E49A85EB3}"/>
+              </a:ext>
+            </a:extLst>
+          </p:cNvPr>
+          <p:cNvCxnSpPr>
+            <a:cxnSpLocks/>
+            <a:stCxn id="46" idx="1"/>
+            <a:endCxn id="69" idx="3"/>
+          </p:cNvCxnSpPr>
+          <p:nvPr/>
+        </p:nvCxnSpPr>
+        <p:spPr>
+          <a:xfrm flipH="1">
+            <a:off x="5828464" y="4726797"/>
+            <a:ext cx="413078" cy="9593"/>
+          </a:xfrm>
+          <a:prstGeom prst="straightConnector1">
+            <a:avLst/>
+          </a:prstGeom>
+          <a:ln>
+            <a:tailEnd type="triangle"/>
+          </a:ln>
+        </p:spPr>
+        <p:style>
+          <a:lnRef idx="1">
+            <a:schemeClr val="accent1"/>
+          </a:lnRef>
+          <a:fillRef idx="0">
+            <a:schemeClr val="accent1"/>
+          </a:fillRef>
+          <a:effectRef idx="0">
+            <a:schemeClr val="accent1"/>
+          </a:effectRef>
+          <a:fontRef idx="minor">
+            <a:schemeClr val="tx1"/>
+          </a:fontRef>
+        </p:style>
+      </p:cxnSp>
+      <p:sp>
+        <p:nvSpPr>
+          <p:cNvPr id="104" name="CuadroTexto 103">
+            <a:extLst>
+              <a:ext uri="{FF2B5EF4-FFF2-40B4-BE49-F238E27FC236}">
+                <a16:creationId xmlns:a16="http://schemas.microsoft.com/office/drawing/2014/main" id="{38106E32-343C-1C4D-953D-2456358F7E1A}"/>
+              </a:ext>
+            </a:extLst>
+          </p:cNvPr>
+          <p:cNvSpPr txBox="1"/>
+          <p:nvPr/>
+        </p:nvSpPr>
+        <p:spPr>
+          <a:xfrm>
+            <a:off x="3085951" y="5539956"/>
+            <a:ext cx="2932534" cy="600164"/>
+          </a:xfrm>
+          <a:prstGeom prst="rect">
+            <a:avLst/>
+          </a:prstGeom>
+          <a:noFill/>
+        </p:spPr>
+        <p:txBody>
+          <a:bodyPr wrap="none" rtlCol="0">
+            <a:spAutoFit/>
+          </a:bodyPr>
+          <a:lstStyle/>
+          <a:p>
+            <a:pPr algn="ctr"/>
+            <a:r>
+              <a:rPr lang="es-ES" sz="1200" dirty="0"/>
+              <a:t>SELECCIONA EL CURSO Y LO BORRA</a:t>
+            </a:r>
+          </a:p>
+          <a:p>
+            <a:pPr algn="ctr"/>
+            <a:r>
+              <a:rPr lang="es-ES" sz="1200" dirty="0">
+                <a:solidFill>
+                  <a:srgbClr val="FF0000"/>
+                </a:solidFill>
+              </a:rPr>
+              <a:t>FALTA OPCIÓN DE CONFIRMAR EL ELIMINAR</a:t>
+            </a:r>
+          </a:p>
+          <a:p>
+            <a:pPr algn="ctr"/>
+            <a:endParaRPr sz="900" dirty="0"/>
+          </a:p>
+        </p:txBody>
+      </p:sp>
       <p:sp>
         <p:nvSpPr>
           <p:cNvPr id="108" name="Marco 107">
@@ -6412,7 +6067,7 @@
         </p:nvSpPr>
         <p:spPr>
           <a:xfrm>
-            <a:off x="1331892" y="1874490"/>
+            <a:off x="3435927" y="1814945"/>
             <a:ext cx="581891" cy="831600"/>
           </a:xfrm>
           <a:prstGeom prst="frame">
@@ -6456,148 +6111,10 @@
       </p:sp>
       <p:sp>
         <p:nvSpPr>
-          <p:cNvPr id="27" name="CuadroTexto 26">
-            <a:extLst>
-              <a:ext uri="{FF2B5EF4-FFF2-40B4-BE49-F238E27FC236}">
-                <a16:creationId xmlns:a16="http://schemas.microsoft.com/office/drawing/2014/main" id="{9CD0D1A0-1418-2A49-91FF-5BF61EF3E55C}"/>
-              </a:ext>
-            </a:extLst>
-          </p:cNvPr>
-          <p:cNvSpPr txBox="1"/>
-          <p:nvPr/>
-        </p:nvSpPr>
-        <p:spPr>
-          <a:xfrm>
-            <a:off x="423778" y="2804801"/>
-            <a:ext cx="2337651" cy="461665"/>
-          </a:xfrm>
-          <a:prstGeom prst="rect">
-            <a:avLst/>
-          </a:prstGeom>
-          <a:noFill/>
-        </p:spPr>
-        <p:txBody>
-          <a:bodyPr wrap="square" rtlCol="0">
-            <a:spAutoFit/>
-          </a:bodyPr>
-          <a:lstStyle/>
-          <a:p>
-            <a:pPr algn="ctr"/>
-            <a:r>
-              <a:rPr lang="es-ES" sz="1200" dirty="0"/>
-              <a:t>OPCIONES DENTRO DE LA OPCION CURSO (INGRESA A TEMAS)</a:t>
-            </a:r>
-            <a:endParaRPr sz="1200" dirty="0"/>
-          </a:p>
-        </p:txBody>
-      </p:sp>
-      <p:pic>
-        <p:nvPicPr>
-          <p:cNvPr id="6" name="Imagen 5">
-            <a:extLst>
-              <a:ext uri="{FF2B5EF4-FFF2-40B4-BE49-F238E27FC236}">
-                <a16:creationId xmlns:a16="http://schemas.microsoft.com/office/drawing/2014/main" id="{A7768AAD-DEDA-C847-ACEA-09BA3189DADC}"/>
-              </a:ext>
-            </a:extLst>
-          </p:cNvPr>
-          <p:cNvPicPr>
-            <a:picLocks noChangeAspect="1"/>
-          </p:cNvPicPr>
-          <p:nvPr/>
-        </p:nvPicPr>
-        <p:blipFill>
-          <a:blip r:embed="rId4"/>
-          <a:stretch>
-            <a:fillRect/>
-          </a:stretch>
-        </p:blipFill>
-        <p:spPr>
-          <a:xfrm>
-            <a:off x="3270391" y="1225424"/>
-            <a:ext cx="2475119" cy="1569811"/>
-          </a:xfrm>
-          <a:prstGeom prst="rect">
-            <a:avLst/>
-          </a:prstGeom>
-        </p:spPr>
-      </p:pic>
-      <p:cxnSp>
-        <p:nvCxnSpPr>
-          <p:cNvPr id="30" name="Conector recto de flecha 29">
-            <a:extLst>
-              <a:ext uri="{FF2B5EF4-FFF2-40B4-BE49-F238E27FC236}">
-                <a16:creationId xmlns:a16="http://schemas.microsoft.com/office/drawing/2014/main" id="{A5D57E8D-FBEE-3B46-9065-D7331EC24A61}"/>
-              </a:ext>
-            </a:extLst>
-          </p:cNvPr>
-          <p:cNvCxnSpPr>
-            <a:cxnSpLocks/>
-          </p:cNvCxnSpPr>
-          <p:nvPr/>
-        </p:nvCxnSpPr>
-        <p:spPr>
-          <a:xfrm flipV="1">
-            <a:off x="2856592" y="2085891"/>
-            <a:ext cx="433720" cy="2173"/>
-          </a:xfrm>
-          <a:prstGeom prst="straightConnector1">
-            <a:avLst/>
-          </a:prstGeom>
-          <a:ln>
-            <a:tailEnd type="triangle"/>
-          </a:ln>
-        </p:spPr>
-        <p:style>
-          <a:lnRef idx="1">
-            <a:schemeClr val="accent1"/>
-          </a:lnRef>
-          <a:fillRef idx="0">
-            <a:schemeClr val="accent1"/>
-          </a:fillRef>
-          <a:effectRef idx="0">
-            <a:schemeClr val="accent1"/>
-          </a:effectRef>
-          <a:fontRef idx="minor">
-            <a:schemeClr val="tx1"/>
-          </a:fontRef>
-        </p:style>
-      </p:cxnSp>
-      <p:pic>
-        <p:nvPicPr>
-          <p:cNvPr id="8" name="Imagen 7">
-            <a:extLst>
-              <a:ext uri="{FF2B5EF4-FFF2-40B4-BE49-F238E27FC236}">
-                <a16:creationId xmlns:a16="http://schemas.microsoft.com/office/drawing/2014/main" id="{B8742BFB-B53B-7949-A29F-E440BB3E518A}"/>
-              </a:ext>
-            </a:extLst>
-          </p:cNvPr>
-          <p:cNvPicPr>
-            <a:picLocks noChangeAspect="1"/>
-          </p:cNvPicPr>
-          <p:nvPr/>
-        </p:nvPicPr>
-        <p:blipFill>
-          <a:blip r:embed="rId5"/>
-          <a:stretch>
-            <a:fillRect/>
-          </a:stretch>
-        </p:blipFill>
-        <p:spPr>
-          <a:xfrm>
-            <a:off x="6166595" y="1209744"/>
-            <a:ext cx="2538302" cy="1595056"/>
-          </a:xfrm>
-          <a:prstGeom prst="rect">
-            <a:avLst/>
-          </a:prstGeom>
-        </p:spPr>
-      </p:pic>
-      <p:sp>
-        <p:nvSpPr>
-          <p:cNvPr id="33" name="Marco 32">
-            <a:extLst>
-              <a:ext uri="{FF2B5EF4-FFF2-40B4-BE49-F238E27FC236}">
-                <a16:creationId xmlns:a16="http://schemas.microsoft.com/office/drawing/2014/main" id="{BAFAC345-1995-364D-ADD1-93013D97232A}"/>
+          <p:cNvPr id="110" name="Marco 109">
+            <a:extLst>
+              <a:ext uri="{FF2B5EF4-FFF2-40B4-BE49-F238E27FC236}">
+                <a16:creationId xmlns:a16="http://schemas.microsoft.com/office/drawing/2014/main" id="{2BB1065B-27A8-C141-B860-5C8F0F52D207}"/>
               </a:ext>
             </a:extLst>
           </p:cNvPr>
@@ -6606,8 +6123,8 @@
         </p:nvSpPr>
         <p:spPr>
           <a:xfrm>
-            <a:off x="3516065" y="2392256"/>
-            <a:ext cx="581891" cy="341530"/>
+            <a:off x="818033" y="1814945"/>
+            <a:ext cx="581891" cy="831600"/>
           </a:xfrm>
           <a:prstGeom prst="frame">
             <a:avLst/>
@@ -6650,77 +6167,10 @@
       </p:sp>
       <p:sp>
         <p:nvSpPr>
-          <p:cNvPr id="35" name="CuadroTexto 34">
-            <a:extLst>
-              <a:ext uri="{FF2B5EF4-FFF2-40B4-BE49-F238E27FC236}">
-                <a16:creationId xmlns:a16="http://schemas.microsoft.com/office/drawing/2014/main" id="{93CA728B-177B-C841-94DE-CCE90A6A0F36}"/>
-              </a:ext>
-            </a:extLst>
-          </p:cNvPr>
-          <p:cNvSpPr txBox="1"/>
-          <p:nvPr/>
-        </p:nvSpPr>
-        <p:spPr>
-          <a:xfrm>
-            <a:off x="6160800" y="2794054"/>
-            <a:ext cx="2558025" cy="461665"/>
-          </a:xfrm>
-          <a:prstGeom prst="rect">
-            <a:avLst/>
-          </a:prstGeom>
-          <a:noFill/>
-        </p:spPr>
-        <p:txBody>
-          <a:bodyPr wrap="square" rtlCol="0">
-            <a:spAutoFit/>
-          </a:bodyPr>
-          <a:lstStyle/>
-          <a:p>
-            <a:pPr algn="ctr"/>
-            <a:r>
-              <a:rPr lang="es-ES" sz="1200" dirty="0"/>
-              <a:t>CREAR EL TEMA NUEVO Y PONER A QUE CURSO PERTENECE</a:t>
-            </a:r>
-            <a:endParaRPr sz="1200" dirty="0"/>
-          </a:p>
-        </p:txBody>
-      </p:sp>
-      <p:pic>
-        <p:nvPicPr>
-          <p:cNvPr id="10" name="Imagen 9">
-            <a:extLst>
-              <a:ext uri="{FF2B5EF4-FFF2-40B4-BE49-F238E27FC236}">
-                <a16:creationId xmlns:a16="http://schemas.microsoft.com/office/drawing/2014/main" id="{A4FA3259-A6EF-9946-B1F6-F41072363C2A}"/>
-              </a:ext>
-            </a:extLst>
-          </p:cNvPr>
-          <p:cNvPicPr>
-            <a:picLocks noChangeAspect="1"/>
-          </p:cNvPicPr>
-          <p:nvPr/>
-        </p:nvPicPr>
-        <p:blipFill>
-          <a:blip r:embed="rId6"/>
-          <a:stretch>
-            <a:fillRect/>
-          </a:stretch>
-        </p:blipFill>
-        <p:spPr>
-          <a:xfrm>
-            <a:off x="9154495" y="1160956"/>
-            <a:ext cx="2589096" cy="1629701"/>
-          </a:xfrm>
-          <a:prstGeom prst="rect">
-            <a:avLst/>
-          </a:prstGeom>
-        </p:spPr>
-      </p:pic>
-      <p:sp>
-        <p:nvSpPr>
-          <p:cNvPr id="38" name="Marco 37">
-            <a:extLst>
-              <a:ext uri="{FF2B5EF4-FFF2-40B4-BE49-F238E27FC236}">
-                <a16:creationId xmlns:a16="http://schemas.microsoft.com/office/drawing/2014/main" id="{8A028EC9-48BD-214F-8CBE-E87841430FEF}"/>
+          <p:cNvPr id="111" name="Marco 110">
+            <a:extLst>
+              <a:ext uri="{FF2B5EF4-FFF2-40B4-BE49-F238E27FC236}">
+                <a16:creationId xmlns:a16="http://schemas.microsoft.com/office/drawing/2014/main" id="{C1BB2F64-A69F-4040-9014-C6E25A52AA74}"/>
               </a:ext>
             </a:extLst>
           </p:cNvPr>
@@ -6729,7 +6179,7 @@
         </p:nvSpPr>
         <p:spPr>
           <a:xfrm>
-            <a:off x="10083121" y="2382143"/>
+            <a:off x="6442210" y="2410691"/>
             <a:ext cx="581891" cy="341530"/>
           </a:xfrm>
           <a:prstGeom prst="frame">
@@ -6773,158 +6223,122 @@
       </p:sp>
       <p:sp>
         <p:nvSpPr>
-          <p:cNvPr id="39" name="CuadroTexto 38">
-            <a:extLst>
-              <a:ext uri="{FF2B5EF4-FFF2-40B4-BE49-F238E27FC236}">
-                <a16:creationId xmlns:a16="http://schemas.microsoft.com/office/drawing/2014/main" id="{A7E8D7C7-FA35-8B44-A410-C5BC8003E294}"/>
-              </a:ext>
-            </a:extLst>
-          </p:cNvPr>
-          <p:cNvSpPr txBox="1"/>
-          <p:nvPr/>
-        </p:nvSpPr>
-        <p:spPr>
-          <a:xfrm>
-            <a:off x="9567565" y="2818317"/>
-            <a:ext cx="1731885" cy="276999"/>
-          </a:xfrm>
-          <a:prstGeom prst="rect">
-            <a:avLst/>
-          </a:prstGeom>
-          <a:noFill/>
-        </p:spPr>
-        <p:txBody>
-          <a:bodyPr wrap="none" rtlCol="0">
-            <a:spAutoFit/>
-          </a:bodyPr>
+          <p:cNvPr id="112" name="Marco 111">
+            <a:extLst>
+              <a:ext uri="{FF2B5EF4-FFF2-40B4-BE49-F238E27FC236}">
+                <a16:creationId xmlns:a16="http://schemas.microsoft.com/office/drawing/2014/main" id="{69F784EB-1436-4A49-A18E-06A08A7738B6}"/>
+              </a:ext>
+            </a:extLst>
+          </p:cNvPr>
+          <p:cNvSpPr/>
+          <p:nvPr/>
+        </p:nvSpPr>
+        <p:spPr>
+          <a:xfrm>
+            <a:off x="4981220" y="5163044"/>
+            <a:ext cx="581891" cy="341530"/>
+          </a:xfrm>
+          <a:prstGeom prst="frame">
+            <a:avLst/>
+          </a:prstGeom>
+          <a:solidFill>
+            <a:srgbClr val="FF0000"/>
+          </a:solidFill>
+          <a:ln w="0">
+            <a:noFill/>
+          </a:ln>
+        </p:spPr>
+        <p:style>
+          <a:lnRef idx="2">
+            <a:schemeClr val="accent1">
+              <a:shade val="50000"/>
+            </a:schemeClr>
+          </a:lnRef>
+          <a:fillRef idx="1">
+            <a:schemeClr val="accent1"/>
+          </a:fillRef>
+          <a:effectRef idx="0">
+            <a:schemeClr val="accent1"/>
+          </a:effectRef>
+          <a:fontRef idx="minor">
+            <a:schemeClr val="lt1"/>
+          </a:fontRef>
+        </p:style>
+        <p:txBody>
+          <a:bodyPr rtlCol="0" anchor="ctr"/>
           <a:lstStyle/>
           <a:p>
             <a:pPr algn="ctr"/>
-            <a:r>
-              <a:rPr lang="es-ES" sz="1200" dirty="0"/>
-              <a:t>BOTÓN DE EDITAR TEMA</a:t>
-            </a:r>
-            <a:endParaRPr sz="1200" dirty="0"/>
-          </a:p>
-        </p:txBody>
-      </p:sp>
-      <p:pic>
-        <p:nvPicPr>
-          <p:cNvPr id="12" name="Imagen 11">
-            <a:extLst>
-              <a:ext uri="{FF2B5EF4-FFF2-40B4-BE49-F238E27FC236}">
-                <a16:creationId xmlns:a16="http://schemas.microsoft.com/office/drawing/2014/main" id="{0FE41146-EB59-EA4E-80ED-4A5020FD2FB0}"/>
-              </a:ext>
-            </a:extLst>
-          </p:cNvPr>
-          <p:cNvPicPr>
-            <a:picLocks noChangeAspect="1"/>
-          </p:cNvPicPr>
-          <p:nvPr/>
-        </p:nvPicPr>
-        <p:blipFill>
-          <a:blip r:embed="rId7"/>
-          <a:stretch>
-            <a:fillRect/>
-          </a:stretch>
-        </p:blipFill>
-        <p:spPr>
-          <a:xfrm>
-            <a:off x="9117966" y="3924867"/>
-            <a:ext cx="2552505" cy="1579190"/>
-          </a:xfrm>
-          <a:prstGeom prst="rect">
-            <a:avLst/>
-          </a:prstGeom>
-        </p:spPr>
-      </p:pic>
-      <p:pic>
-        <p:nvPicPr>
-          <p:cNvPr id="16" name="Imagen 15">
-            <a:extLst>
-              <a:ext uri="{FF2B5EF4-FFF2-40B4-BE49-F238E27FC236}">
-                <a16:creationId xmlns:a16="http://schemas.microsoft.com/office/drawing/2014/main" id="{A118CD93-BAC3-5B47-BD77-48BB60F82237}"/>
-              </a:ext>
-            </a:extLst>
-          </p:cNvPr>
-          <p:cNvPicPr>
-            <a:picLocks noChangeAspect="1"/>
-          </p:cNvPicPr>
-          <p:nvPr/>
-        </p:nvPicPr>
-        <p:blipFill>
-          <a:blip r:embed="rId8"/>
-          <a:stretch>
-            <a:fillRect/>
-          </a:stretch>
-        </p:blipFill>
-        <p:spPr>
-          <a:xfrm>
-            <a:off x="6166320" y="3944860"/>
-            <a:ext cx="2552505" cy="1613761"/>
-          </a:xfrm>
-          <a:prstGeom prst="rect">
-            <a:avLst/>
-          </a:prstGeom>
-        </p:spPr>
-      </p:pic>
-      <p:sp>
-        <p:nvSpPr>
-          <p:cNvPr id="45" name="CuadroTexto 44">
-            <a:extLst>
-              <a:ext uri="{FF2B5EF4-FFF2-40B4-BE49-F238E27FC236}">
-                <a16:creationId xmlns:a16="http://schemas.microsoft.com/office/drawing/2014/main" id="{C89C3AB7-4E1A-6B46-9B66-8B209CA85E69}"/>
-              </a:ext>
-            </a:extLst>
-          </p:cNvPr>
-          <p:cNvSpPr txBox="1"/>
-          <p:nvPr/>
-        </p:nvSpPr>
-        <p:spPr>
-          <a:xfrm>
-            <a:off x="5935099" y="5575986"/>
-            <a:ext cx="2932534" cy="600164"/>
-          </a:xfrm>
-          <a:prstGeom prst="rect">
-            <a:avLst/>
-          </a:prstGeom>
-          <a:noFill/>
-        </p:spPr>
-        <p:txBody>
-          <a:bodyPr wrap="none" rtlCol="0">
-            <a:spAutoFit/>
-          </a:bodyPr>
+            <a:endParaRPr>
+              <a:solidFill>
+                <a:schemeClr val="tx1"/>
+              </a:solidFill>
+            </a:endParaRPr>
+          </a:p>
+        </p:txBody>
+      </p:sp>
+      <p:sp>
+        <p:nvSpPr>
+          <p:cNvPr id="113" name="Marco 112">
+            <a:extLst>
+              <a:ext uri="{FF2B5EF4-FFF2-40B4-BE49-F238E27FC236}">
+                <a16:creationId xmlns:a16="http://schemas.microsoft.com/office/drawing/2014/main" id="{5CD90398-2125-9342-94C7-D98787A03C4B}"/>
+              </a:ext>
+            </a:extLst>
+          </p:cNvPr>
+          <p:cNvSpPr/>
+          <p:nvPr/>
+        </p:nvSpPr>
+        <p:spPr>
+          <a:xfrm>
+            <a:off x="10083085" y="5108979"/>
+            <a:ext cx="581891" cy="341530"/>
+          </a:xfrm>
+          <a:prstGeom prst="frame">
+            <a:avLst/>
+          </a:prstGeom>
+          <a:solidFill>
+            <a:srgbClr val="FF0000"/>
+          </a:solidFill>
+          <a:ln w="0">
+            <a:noFill/>
+          </a:ln>
+        </p:spPr>
+        <p:style>
+          <a:lnRef idx="2">
+            <a:schemeClr val="accent1">
+              <a:shade val="50000"/>
+            </a:schemeClr>
+          </a:lnRef>
+          <a:fillRef idx="1">
+            <a:schemeClr val="accent1"/>
+          </a:fillRef>
+          <a:effectRef idx="0">
+            <a:schemeClr val="accent1"/>
+          </a:effectRef>
+          <a:fontRef idx="minor">
+            <a:schemeClr val="lt1"/>
+          </a:fontRef>
+        </p:style>
+        <p:txBody>
+          <a:bodyPr rtlCol="0" anchor="ctr"/>
           <a:lstStyle/>
           <a:p>
             <a:pPr algn="ctr"/>
-            <a:r>
-              <a:rPr lang="es-ES" sz="1200" dirty="0"/>
-              <a:t>SELECCIONA EL TEMA Y LO BORRA</a:t>
-            </a:r>
-          </a:p>
-          <a:p>
-            <a:pPr algn="ctr"/>
-            <a:r>
-              <a:rPr lang="es-ES" sz="1200" dirty="0">
-                <a:solidFill>
-                  <a:srgbClr val="FF0000"/>
-                </a:solidFill>
-              </a:rPr>
-              <a:t>FALTA OPCIÓN DE CONFIRMAR EL ELIMINAR</a:t>
-            </a:r>
-          </a:p>
-          <a:p>
-            <a:pPr algn="ctr"/>
-            <a:endParaRPr sz="900" dirty="0"/>
-          </a:p>
-        </p:txBody>
-      </p:sp>
-      <p:sp>
-        <p:nvSpPr>
-          <p:cNvPr id="47" name="Título 1">
-            <a:extLst>
-              <a:ext uri="{FF2B5EF4-FFF2-40B4-BE49-F238E27FC236}">
-                <a16:creationId xmlns:a16="http://schemas.microsoft.com/office/drawing/2014/main" id="{B1403A9A-9F40-2C40-A967-6D7980D1F75F}"/>
+            <a:endParaRPr>
+              <a:solidFill>
+                <a:schemeClr val="tx1"/>
+              </a:solidFill>
+            </a:endParaRPr>
+          </a:p>
+        </p:txBody>
+      </p:sp>
+      <p:sp>
+        <p:nvSpPr>
+          <p:cNvPr id="114" name="Título 1">
+            <a:extLst>
+              <a:ext uri="{FF2B5EF4-FFF2-40B4-BE49-F238E27FC236}">
+                <a16:creationId xmlns:a16="http://schemas.microsoft.com/office/drawing/2014/main" id="{55F6401E-DC2C-2842-8CAD-5FC36133B7A5}"/>
               </a:ext>
             </a:extLst>
           </p:cNvPr>
@@ -6935,7 +6349,7 @@
         </p:nvSpPr>
         <p:spPr>
           <a:xfrm>
-            <a:off x="155480" y="483762"/>
+            <a:off x="294026" y="431785"/>
             <a:ext cx="1966353" cy="655566"/>
           </a:xfrm>
           <a:prstGeom prst="rect">
@@ -6968,52 +6382,15 @@
           <a:p>
             <a:r>
               <a:rPr lang="es-ES" sz="4000" dirty="0"/>
-              <a:t>TEMAS</a:t>
-            </a:r>
-          </a:p>
-        </p:txBody>
-      </p:sp>
-      <p:sp>
-        <p:nvSpPr>
-          <p:cNvPr id="48" name="CuadroTexto 47">
-            <a:extLst>
-              <a:ext uri="{FF2B5EF4-FFF2-40B4-BE49-F238E27FC236}">
-                <a16:creationId xmlns:a16="http://schemas.microsoft.com/office/drawing/2014/main" id="{1C630963-865B-DA47-BCE2-948EF6018A79}"/>
-              </a:ext>
-            </a:extLst>
-          </p:cNvPr>
-          <p:cNvSpPr txBox="1"/>
-          <p:nvPr/>
-        </p:nvSpPr>
-        <p:spPr>
-          <a:xfrm>
-            <a:off x="3571968" y="2793845"/>
-            <a:ext cx="1748299" cy="276999"/>
-          </a:xfrm>
-          <a:prstGeom prst="rect">
-            <a:avLst/>
-          </a:prstGeom>
-          <a:noFill/>
-        </p:spPr>
-        <p:txBody>
-          <a:bodyPr wrap="none" rtlCol="0">
-            <a:spAutoFit/>
-          </a:bodyPr>
-          <a:lstStyle/>
-          <a:p>
-            <a:pPr algn="ctr"/>
-            <a:r>
-              <a:rPr lang="es-ES" sz="1200" dirty="0"/>
-              <a:t>BOTÓN DE NUEVO TEMA</a:t>
-            </a:r>
-            <a:endParaRPr sz="1200" dirty="0"/>
+              <a:t>CURSOS</a:t>
+            </a:r>
           </a:p>
         </p:txBody>
       </p:sp>
     </p:spTree>
     <p:extLst>
       <p:ext uri="{BB962C8B-B14F-4D97-AF65-F5344CB8AC3E}">
-        <p14:creationId xmlns:p14="http://schemas.microsoft.com/office/powerpoint/2010/main" val="1611058291"/>
+        <p14:creationId xmlns:p14="http://schemas.microsoft.com/office/powerpoint/2010/main" val="789282670"/>
       </p:ext>
     </p:extLst>
   </p:cSld>
@@ -7084,8 +6461,8 @@
         </p:nvSpPr>
         <p:spPr>
           <a:xfrm>
-            <a:off x="9481273" y="5416218"/>
-            <a:ext cx="2013756" cy="276999"/>
+            <a:off x="9806539" y="5509172"/>
+            <a:ext cx="1324722" cy="276999"/>
           </a:xfrm>
           <a:prstGeom prst="rect">
             <a:avLst/>
@@ -7101,7 +6478,7 @@
             <a:pPr algn="ctr"/>
             <a:r>
               <a:rPr lang="es-ES" sz="1200" dirty="0"/>
-              <a:t>EDITAR OPCIONES DEL VÍDEO</a:t>
+              <a:t>BOTÓN DE EDITAR</a:t>
             </a:r>
             <a:endParaRPr sz="1200" dirty="0"/>
           </a:p>
@@ -7123,7 +6500,7 @@
         </p:nvCxnSpPr>
         <p:spPr>
           <a:xfrm flipV="1">
-            <a:off x="5666022" y="2085891"/>
+            <a:off x="5682929" y="2083718"/>
             <a:ext cx="433720" cy="2173"/>
           </a:xfrm>
           <a:prstGeom prst="straightConnector1">
@@ -7164,7 +6541,7 @@
         </p:nvCxnSpPr>
         <p:spPr>
           <a:xfrm flipV="1">
-            <a:off x="8521204" y="2085891"/>
+            <a:off x="8732754" y="2042210"/>
             <a:ext cx="433720" cy="2173"/>
           </a:xfrm>
           <a:prstGeom prst="straightConnector1">
@@ -7207,7 +6584,7 @@
         <p:spPr>
           <a:xfrm>
             <a:off x="10433508" y="2818317"/>
-            <a:ext cx="0" cy="944368"/>
+            <a:ext cx="0" cy="1126543"/>
           </a:xfrm>
           <a:prstGeom prst="straightConnector1">
             <a:avLst/>
@@ -7247,7 +6624,7 @@
         </p:nvCxnSpPr>
         <p:spPr>
           <a:xfrm flipH="1">
-            <a:off x="8585555" y="4615204"/>
+            <a:off x="8718825" y="4701126"/>
             <a:ext cx="399142" cy="5114"/>
           </a:xfrm>
           <a:prstGeom prst="straightConnector1">
@@ -7286,7 +6663,7 @@
         </p:nvSpPr>
         <p:spPr>
           <a:xfrm>
-            <a:off x="2038479" y="1874490"/>
+            <a:off x="1331892" y="1874490"/>
             <a:ext cx="581891" cy="831600"/>
           </a:xfrm>
           <a:prstGeom prst="frame">
@@ -7359,12 +6736,42 @@
             <a:pPr algn="ctr"/>
             <a:r>
               <a:rPr lang="es-ES" sz="1200" dirty="0"/>
-              <a:t>OPCIONES DENTRO DE LA OPCION CURSO (INGRESA A VIDEOS)</a:t>
+              <a:t>OPCIONES DENTRO DE LA OPCION CURSO (INGRESA A TEMAS)</a:t>
             </a:r>
             <a:endParaRPr sz="1200" dirty="0"/>
           </a:p>
         </p:txBody>
       </p:sp>
+      <p:pic>
+        <p:nvPicPr>
+          <p:cNvPr id="6" name="Imagen 5">
+            <a:extLst>
+              <a:ext uri="{FF2B5EF4-FFF2-40B4-BE49-F238E27FC236}">
+                <a16:creationId xmlns:a16="http://schemas.microsoft.com/office/drawing/2014/main" id="{A7768AAD-DEDA-C847-ACEA-09BA3189DADC}"/>
+              </a:ext>
+            </a:extLst>
+          </p:cNvPr>
+          <p:cNvPicPr>
+            <a:picLocks noChangeAspect="1"/>
+          </p:cNvPicPr>
+          <p:nvPr/>
+        </p:nvPicPr>
+        <p:blipFill>
+          <a:blip r:embed="rId4"/>
+          <a:stretch>
+            <a:fillRect/>
+          </a:stretch>
+        </p:blipFill>
+        <p:spPr>
+          <a:xfrm>
+            <a:off x="3270391" y="1225424"/>
+            <a:ext cx="2475119" cy="1569811"/>
+          </a:xfrm>
+          <a:prstGeom prst="rect">
+            <a:avLst/>
+          </a:prstGeom>
+        </p:spPr>
+      </p:pic>
       <p:cxnSp>
         <p:nvCxnSpPr>
           <p:cNvPr id="30" name="Conector recto de flecha 29">
@@ -7406,6 +6813,92 @@
           </a:fontRef>
         </p:style>
       </p:cxnSp>
+      <p:pic>
+        <p:nvPicPr>
+          <p:cNvPr id="8" name="Imagen 7">
+            <a:extLst>
+              <a:ext uri="{FF2B5EF4-FFF2-40B4-BE49-F238E27FC236}">
+                <a16:creationId xmlns:a16="http://schemas.microsoft.com/office/drawing/2014/main" id="{B8742BFB-B53B-7949-A29F-E440BB3E518A}"/>
+              </a:ext>
+            </a:extLst>
+          </p:cNvPr>
+          <p:cNvPicPr>
+            <a:picLocks noChangeAspect="1"/>
+          </p:cNvPicPr>
+          <p:nvPr/>
+        </p:nvPicPr>
+        <p:blipFill>
+          <a:blip r:embed="rId5"/>
+          <a:stretch>
+            <a:fillRect/>
+          </a:stretch>
+        </p:blipFill>
+        <p:spPr>
+          <a:xfrm>
+            <a:off x="6166595" y="1209744"/>
+            <a:ext cx="2538302" cy="1595056"/>
+          </a:xfrm>
+          <a:prstGeom prst="rect">
+            <a:avLst/>
+          </a:prstGeom>
+        </p:spPr>
+      </p:pic>
+      <p:sp>
+        <p:nvSpPr>
+          <p:cNvPr id="33" name="Marco 32">
+            <a:extLst>
+              <a:ext uri="{FF2B5EF4-FFF2-40B4-BE49-F238E27FC236}">
+                <a16:creationId xmlns:a16="http://schemas.microsoft.com/office/drawing/2014/main" id="{BAFAC345-1995-364D-ADD1-93013D97232A}"/>
+              </a:ext>
+            </a:extLst>
+          </p:cNvPr>
+          <p:cNvSpPr/>
+          <p:nvPr/>
+        </p:nvSpPr>
+        <p:spPr>
+          <a:xfrm>
+            <a:off x="3516065" y="2392256"/>
+            <a:ext cx="581891" cy="341530"/>
+          </a:xfrm>
+          <a:prstGeom prst="frame">
+            <a:avLst/>
+          </a:prstGeom>
+          <a:solidFill>
+            <a:srgbClr val="FF0000"/>
+          </a:solidFill>
+          <a:ln w="0">
+            <a:noFill/>
+          </a:ln>
+        </p:spPr>
+        <p:style>
+          <a:lnRef idx="2">
+            <a:schemeClr val="accent1">
+              <a:shade val="50000"/>
+            </a:schemeClr>
+          </a:lnRef>
+          <a:fillRef idx="1">
+            <a:schemeClr val="accent1"/>
+          </a:fillRef>
+          <a:effectRef idx="0">
+            <a:schemeClr val="accent1"/>
+          </a:effectRef>
+          <a:fontRef idx="minor">
+            <a:schemeClr val="lt1"/>
+          </a:fontRef>
+        </p:style>
+        <p:txBody>
+          <a:bodyPr rtlCol="0" anchor="ctr"/>
+          <a:lstStyle/>
+          <a:p>
+            <a:pPr algn="ctr"/>
+            <a:endParaRPr>
+              <a:solidFill>
+                <a:schemeClr val="tx1"/>
+              </a:solidFill>
+            </a:endParaRPr>
+          </a:p>
+        </p:txBody>
+      </p:sp>
       <p:sp>
         <p:nvSpPr>
           <p:cNvPr id="35" name="CuadroTexto 34">
@@ -7421,7 +6914,7 @@
         <p:spPr>
           <a:xfrm>
             <a:off x="6160800" y="2794054"/>
-            <a:ext cx="2558025" cy="646331"/>
+            <a:ext cx="2558025" cy="461665"/>
           </a:xfrm>
           <a:prstGeom prst="rect">
             <a:avLst/>
@@ -7437,12 +6930,98 @@
             <a:pPr algn="ctr"/>
             <a:r>
               <a:rPr lang="es-ES" sz="1200" dirty="0"/>
-              <a:t>CREAR Y CARGAR EL VIDEO NUEVO Y PONER A QUE CURSO Y TEMA PERTENECE</a:t>
+              <a:t>CREAR EL TEMA NUEVO Y PONER A QUE CURSO PERTENECE</a:t>
             </a:r>
             <a:endParaRPr sz="1200" dirty="0"/>
           </a:p>
         </p:txBody>
       </p:sp>
+      <p:pic>
+        <p:nvPicPr>
+          <p:cNvPr id="10" name="Imagen 9">
+            <a:extLst>
+              <a:ext uri="{FF2B5EF4-FFF2-40B4-BE49-F238E27FC236}">
+                <a16:creationId xmlns:a16="http://schemas.microsoft.com/office/drawing/2014/main" id="{A4FA3259-A6EF-9946-B1F6-F41072363C2A}"/>
+              </a:ext>
+            </a:extLst>
+          </p:cNvPr>
+          <p:cNvPicPr>
+            <a:picLocks noChangeAspect="1"/>
+          </p:cNvPicPr>
+          <p:nvPr/>
+        </p:nvPicPr>
+        <p:blipFill>
+          <a:blip r:embed="rId6"/>
+          <a:stretch>
+            <a:fillRect/>
+          </a:stretch>
+        </p:blipFill>
+        <p:spPr>
+          <a:xfrm>
+            <a:off x="9154495" y="1160956"/>
+            <a:ext cx="2589096" cy="1629701"/>
+          </a:xfrm>
+          <a:prstGeom prst="rect">
+            <a:avLst/>
+          </a:prstGeom>
+        </p:spPr>
+      </p:pic>
+      <p:sp>
+        <p:nvSpPr>
+          <p:cNvPr id="38" name="Marco 37">
+            <a:extLst>
+              <a:ext uri="{FF2B5EF4-FFF2-40B4-BE49-F238E27FC236}">
+                <a16:creationId xmlns:a16="http://schemas.microsoft.com/office/drawing/2014/main" id="{8A028EC9-48BD-214F-8CBE-E87841430FEF}"/>
+              </a:ext>
+            </a:extLst>
+          </p:cNvPr>
+          <p:cNvSpPr/>
+          <p:nvPr/>
+        </p:nvSpPr>
+        <p:spPr>
+          <a:xfrm>
+            <a:off x="10083121" y="2382143"/>
+            <a:ext cx="581891" cy="341530"/>
+          </a:xfrm>
+          <a:prstGeom prst="frame">
+            <a:avLst/>
+          </a:prstGeom>
+          <a:solidFill>
+            <a:srgbClr val="FF0000"/>
+          </a:solidFill>
+          <a:ln w="0">
+            <a:noFill/>
+          </a:ln>
+        </p:spPr>
+        <p:style>
+          <a:lnRef idx="2">
+            <a:schemeClr val="accent1">
+              <a:shade val="50000"/>
+            </a:schemeClr>
+          </a:lnRef>
+          <a:fillRef idx="1">
+            <a:schemeClr val="accent1"/>
+          </a:fillRef>
+          <a:effectRef idx="0">
+            <a:schemeClr val="accent1"/>
+          </a:effectRef>
+          <a:fontRef idx="minor">
+            <a:schemeClr val="lt1"/>
+          </a:fontRef>
+        </p:style>
+        <p:txBody>
+          <a:bodyPr rtlCol="0" anchor="ctr"/>
+          <a:lstStyle/>
+          <a:p>
+            <a:pPr algn="ctr"/>
+            <a:endParaRPr>
+              <a:solidFill>
+                <a:schemeClr val="tx1"/>
+              </a:solidFill>
+            </a:endParaRPr>
+          </a:p>
+        </p:txBody>
+      </p:sp>
       <p:sp>
         <p:nvSpPr>
           <p:cNvPr id="39" name="CuadroTexto 38">
@@ -7457,8 +7036,8 @@
         </p:nvSpPr>
         <p:spPr>
           <a:xfrm>
-            <a:off x="9555960" y="2818317"/>
-            <a:ext cx="1755096" cy="276999"/>
+            <a:off x="9567565" y="2818317"/>
+            <a:ext cx="1731885" cy="276999"/>
           </a:xfrm>
           <a:prstGeom prst="rect">
             <a:avLst/>
@@ -7474,12 +7053,72 @@
             <a:pPr algn="ctr"/>
             <a:r>
               <a:rPr lang="es-ES" sz="1200" dirty="0"/>
-              <a:t>BOTÓN DE EDITAR VÍDEO</a:t>
+              <a:t>BOTÓN DE EDITAR TEMA</a:t>
             </a:r>
             <a:endParaRPr sz="1200" dirty="0"/>
           </a:p>
         </p:txBody>
       </p:sp>
+      <p:pic>
+        <p:nvPicPr>
+          <p:cNvPr id="12" name="Imagen 11">
+            <a:extLst>
+              <a:ext uri="{FF2B5EF4-FFF2-40B4-BE49-F238E27FC236}">
+                <a16:creationId xmlns:a16="http://schemas.microsoft.com/office/drawing/2014/main" id="{0FE41146-EB59-EA4E-80ED-4A5020FD2FB0}"/>
+              </a:ext>
+            </a:extLst>
+          </p:cNvPr>
+          <p:cNvPicPr>
+            <a:picLocks noChangeAspect="1"/>
+          </p:cNvPicPr>
+          <p:nvPr/>
+        </p:nvPicPr>
+        <p:blipFill>
+          <a:blip r:embed="rId7"/>
+          <a:stretch>
+            <a:fillRect/>
+          </a:stretch>
+        </p:blipFill>
+        <p:spPr>
+          <a:xfrm>
+            <a:off x="9117966" y="3924867"/>
+            <a:ext cx="2552505" cy="1579190"/>
+          </a:xfrm>
+          <a:prstGeom prst="rect">
+            <a:avLst/>
+          </a:prstGeom>
+        </p:spPr>
+      </p:pic>
+      <p:pic>
+        <p:nvPicPr>
+          <p:cNvPr id="16" name="Imagen 15">
+            <a:extLst>
+              <a:ext uri="{FF2B5EF4-FFF2-40B4-BE49-F238E27FC236}">
+                <a16:creationId xmlns:a16="http://schemas.microsoft.com/office/drawing/2014/main" id="{A118CD93-BAC3-5B47-BD77-48BB60F82237}"/>
+              </a:ext>
+            </a:extLst>
+          </p:cNvPr>
+          <p:cNvPicPr>
+            <a:picLocks noChangeAspect="1"/>
+          </p:cNvPicPr>
+          <p:nvPr/>
+        </p:nvPicPr>
+        <p:blipFill>
+          <a:blip r:embed="rId8"/>
+          <a:stretch>
+            <a:fillRect/>
+          </a:stretch>
+        </p:blipFill>
+        <p:spPr>
+          <a:xfrm>
+            <a:off x="6166320" y="3944860"/>
+            <a:ext cx="2552505" cy="1613761"/>
+          </a:xfrm>
+          <a:prstGeom prst="rect">
+            <a:avLst/>
+          </a:prstGeom>
+        </p:spPr>
+      </p:pic>
       <p:sp>
         <p:nvSpPr>
           <p:cNvPr id="45" name="CuadroTexto 44">
@@ -7494,8 +7133,8 @@
         </p:nvSpPr>
         <p:spPr>
           <a:xfrm>
-            <a:off x="6094250" y="5490064"/>
-            <a:ext cx="2347695" cy="415498"/>
+            <a:off x="5935099" y="5575986"/>
+            <a:ext cx="2932534" cy="600164"/>
           </a:xfrm>
           <a:prstGeom prst="rect">
             <a:avLst/>
@@ -7511,7 +7150,18 @@
             <a:pPr algn="ctr"/>
             <a:r>
               <a:rPr lang="es-ES" sz="1200" dirty="0"/>
-              <a:t>SELECCIONA EL VÍDEO A ELIMINAR</a:t>
+              <a:t>SELECCIONA EL TEMA Y LO BORRA</a:t>
+            </a:r>
+          </a:p>
+          <a:p>
+            <a:pPr algn="ctr"/>
+            <a:r>
+              <a:rPr lang="es-ES" sz="1200" dirty="0">
+                <a:solidFill>
+                  <a:srgbClr val="FF0000"/>
+                </a:solidFill>
+              </a:rPr>
+              <a:t>FALTA OPCIÓN DE CONFIRMAR EL ELIMINAR</a:t>
             </a:r>
           </a:p>
           <a:p>
@@ -7569,17 +7219,17 @@
           <a:p>
             <a:r>
               <a:rPr lang="es-ES" sz="4000" dirty="0"/>
-              <a:t>VÍDEOS</a:t>
-            </a:r>
-          </a:p>
-        </p:txBody>
-      </p:sp>
-      <p:sp>
-        <p:nvSpPr>
-          <p:cNvPr id="40" name="CuadroTexto 39">
-            <a:extLst>
-              <a:ext uri="{FF2B5EF4-FFF2-40B4-BE49-F238E27FC236}">
-                <a16:creationId xmlns:a16="http://schemas.microsoft.com/office/drawing/2014/main" id="{FD43F265-14D3-EE4C-8C2B-35E98DE5E660}"/>
+              <a:t>TEMAS</a:t>
+            </a:r>
+          </a:p>
+        </p:txBody>
+      </p:sp>
+      <p:sp>
+        <p:nvSpPr>
+          <p:cNvPr id="48" name="CuadroTexto 47">
+            <a:extLst>
+              <a:ext uri="{FF2B5EF4-FFF2-40B4-BE49-F238E27FC236}">
+                <a16:creationId xmlns:a16="http://schemas.microsoft.com/office/drawing/2014/main" id="{1C630963-865B-DA47-BCE2-948EF6018A79}"/>
               </a:ext>
             </a:extLst>
           </p:cNvPr>
@@ -7588,8 +7238,8 @@
         </p:nvSpPr>
         <p:spPr>
           <a:xfrm>
-            <a:off x="3763728" y="2843069"/>
-            <a:ext cx="1771512" cy="276999"/>
+            <a:off x="3571968" y="2793845"/>
+            <a:ext cx="1748299" cy="276999"/>
           </a:xfrm>
           <a:prstGeom prst="rect">
             <a:avLst/>
@@ -7605,389 +7255,16 @@
             <a:pPr algn="ctr"/>
             <a:r>
               <a:rPr lang="es-ES" sz="1200" dirty="0"/>
-              <a:t>BOTÓN DE NUEVO VIDEO</a:t>
+              <a:t>BOTÓN DE NUEVO TEMA</a:t>
             </a:r>
             <a:endParaRPr sz="1200" dirty="0"/>
-          </a:p>
-        </p:txBody>
-      </p:sp>
-      <p:pic>
-        <p:nvPicPr>
-          <p:cNvPr id="23" name="Imagen 22">
-            <a:extLst>
-              <a:ext uri="{FF2B5EF4-FFF2-40B4-BE49-F238E27FC236}">
-                <a16:creationId xmlns:a16="http://schemas.microsoft.com/office/drawing/2014/main" id="{6B78CC58-8C27-3C47-B691-147BCC1D612C}"/>
-              </a:ext>
-            </a:extLst>
-          </p:cNvPr>
-          <p:cNvPicPr>
-            <a:picLocks noChangeAspect="1"/>
-          </p:cNvPicPr>
-          <p:nvPr/>
-        </p:nvPicPr>
-        <p:blipFill>
-          <a:blip r:embed="rId4"/>
-          <a:stretch>
-            <a:fillRect/>
-          </a:stretch>
-        </p:blipFill>
-        <p:spPr>
-          <a:xfrm>
-            <a:off x="3290312" y="1216342"/>
-            <a:ext cx="2475119" cy="1563866"/>
-          </a:xfrm>
-          <a:prstGeom prst="rect">
-            <a:avLst/>
-          </a:prstGeom>
-        </p:spPr>
-      </p:pic>
-      <p:sp>
-        <p:nvSpPr>
-          <p:cNvPr id="43" name="Marco 42">
-            <a:extLst>
-              <a:ext uri="{FF2B5EF4-FFF2-40B4-BE49-F238E27FC236}">
-                <a16:creationId xmlns:a16="http://schemas.microsoft.com/office/drawing/2014/main" id="{CB299AA6-78F7-0448-A88D-63E62E9677D1}"/>
-              </a:ext>
-            </a:extLst>
-          </p:cNvPr>
-          <p:cNvSpPr/>
-          <p:nvPr/>
-        </p:nvSpPr>
-        <p:spPr>
-          <a:xfrm>
-            <a:off x="3595742" y="2415626"/>
-            <a:ext cx="431552" cy="266731"/>
-          </a:xfrm>
-          <a:prstGeom prst="frame">
-            <a:avLst/>
-          </a:prstGeom>
-          <a:solidFill>
-            <a:srgbClr val="FF0000"/>
-          </a:solidFill>
-          <a:ln w="0">
-            <a:noFill/>
-          </a:ln>
-        </p:spPr>
-        <p:style>
-          <a:lnRef idx="2">
-            <a:schemeClr val="accent1">
-              <a:shade val="50000"/>
-            </a:schemeClr>
-          </a:lnRef>
-          <a:fillRef idx="1">
-            <a:schemeClr val="accent1"/>
-          </a:fillRef>
-          <a:effectRef idx="0">
-            <a:schemeClr val="accent1"/>
-          </a:effectRef>
-          <a:fontRef idx="minor">
-            <a:schemeClr val="lt1"/>
-          </a:fontRef>
-        </p:style>
-        <p:txBody>
-          <a:bodyPr rtlCol="0" anchor="ctr"/>
-          <a:lstStyle/>
-          <a:p>
-            <a:pPr algn="ctr"/>
-            <a:endParaRPr>
-              <a:solidFill>
-                <a:schemeClr val="tx1"/>
-              </a:solidFill>
-            </a:endParaRPr>
-          </a:p>
-        </p:txBody>
-      </p:sp>
-      <p:pic>
-        <p:nvPicPr>
-          <p:cNvPr id="26" name="Imagen 25">
-            <a:extLst>
-              <a:ext uri="{FF2B5EF4-FFF2-40B4-BE49-F238E27FC236}">
-                <a16:creationId xmlns:a16="http://schemas.microsoft.com/office/drawing/2014/main" id="{D7C35B23-AF94-DA46-BD4A-BF66A56BF200}"/>
-              </a:ext>
-            </a:extLst>
-          </p:cNvPr>
-          <p:cNvPicPr>
-            <a:picLocks noChangeAspect="1"/>
-          </p:cNvPicPr>
-          <p:nvPr/>
-        </p:nvPicPr>
-        <p:blipFill>
-          <a:blip r:embed="rId5"/>
-          <a:stretch>
-            <a:fillRect/>
-          </a:stretch>
-        </p:blipFill>
-        <p:spPr>
-          <a:xfrm>
-            <a:off x="6119546" y="1252124"/>
-            <a:ext cx="2393429" cy="1516133"/>
-          </a:xfrm>
-          <a:prstGeom prst="rect">
-            <a:avLst/>
-          </a:prstGeom>
-        </p:spPr>
-      </p:pic>
-      <p:pic>
-        <p:nvPicPr>
-          <p:cNvPr id="31" name="Imagen 30">
-            <a:extLst>
-              <a:ext uri="{FF2B5EF4-FFF2-40B4-BE49-F238E27FC236}">
-                <a16:creationId xmlns:a16="http://schemas.microsoft.com/office/drawing/2014/main" id="{F576D312-2C5C-5340-BD5C-B8CE9EE1D87E}"/>
-              </a:ext>
-            </a:extLst>
-          </p:cNvPr>
-          <p:cNvPicPr>
-            <a:picLocks noChangeAspect="1"/>
-          </p:cNvPicPr>
-          <p:nvPr/>
-        </p:nvPicPr>
-        <p:blipFill>
-          <a:blip r:embed="rId6"/>
-          <a:stretch>
-            <a:fillRect/>
-          </a:stretch>
-        </p:blipFill>
-        <p:spPr>
-          <a:xfrm>
-            <a:off x="8984697" y="1216342"/>
-            <a:ext cx="2527624" cy="1601139"/>
-          </a:xfrm>
-          <a:prstGeom prst="rect">
-            <a:avLst/>
-          </a:prstGeom>
-        </p:spPr>
-      </p:pic>
-      <p:sp>
-        <p:nvSpPr>
-          <p:cNvPr id="50" name="Marco 49">
-            <a:extLst>
-              <a:ext uri="{FF2B5EF4-FFF2-40B4-BE49-F238E27FC236}">
-                <a16:creationId xmlns:a16="http://schemas.microsoft.com/office/drawing/2014/main" id="{47DF85A3-92A4-834E-B540-CA0056A29984}"/>
-              </a:ext>
-            </a:extLst>
-          </p:cNvPr>
-          <p:cNvSpPr/>
-          <p:nvPr/>
-        </p:nvSpPr>
-        <p:spPr>
-          <a:xfrm>
-            <a:off x="10001956" y="2454793"/>
-            <a:ext cx="431552" cy="266731"/>
-          </a:xfrm>
-          <a:prstGeom prst="frame">
-            <a:avLst/>
-          </a:prstGeom>
-          <a:solidFill>
-            <a:srgbClr val="FF0000"/>
-          </a:solidFill>
-          <a:ln w="0">
-            <a:noFill/>
-          </a:ln>
-        </p:spPr>
-        <p:style>
-          <a:lnRef idx="2">
-            <a:schemeClr val="accent1">
-              <a:shade val="50000"/>
-            </a:schemeClr>
-          </a:lnRef>
-          <a:fillRef idx="1">
-            <a:schemeClr val="accent1"/>
-          </a:fillRef>
-          <a:effectRef idx="0">
-            <a:schemeClr val="accent1"/>
-          </a:effectRef>
-          <a:fontRef idx="minor">
-            <a:schemeClr val="lt1"/>
-          </a:fontRef>
-        </p:style>
-        <p:txBody>
-          <a:bodyPr rtlCol="0" anchor="ctr"/>
-          <a:lstStyle/>
-          <a:p>
-            <a:pPr algn="ctr"/>
-            <a:endParaRPr>
-              <a:solidFill>
-                <a:schemeClr val="tx1"/>
-              </a:solidFill>
-            </a:endParaRPr>
-          </a:p>
-        </p:txBody>
-      </p:sp>
-      <p:pic>
-        <p:nvPicPr>
-          <p:cNvPr id="36" name="Imagen 35">
-            <a:extLst>
-              <a:ext uri="{FF2B5EF4-FFF2-40B4-BE49-F238E27FC236}">
-                <a16:creationId xmlns:a16="http://schemas.microsoft.com/office/drawing/2014/main" id="{6AAE9877-329E-6346-BEFE-45DC5F078131}"/>
-              </a:ext>
-            </a:extLst>
-          </p:cNvPr>
-          <p:cNvPicPr>
-            <a:picLocks noChangeAspect="1"/>
-          </p:cNvPicPr>
-          <p:nvPr/>
-        </p:nvPicPr>
-        <p:blipFill>
-          <a:blip r:embed="rId7"/>
-          <a:stretch>
-            <a:fillRect/>
-          </a:stretch>
-        </p:blipFill>
-        <p:spPr>
-          <a:xfrm>
-            <a:off x="8967408" y="3787201"/>
-            <a:ext cx="2552506" cy="1613762"/>
-          </a:xfrm>
-          <a:prstGeom prst="rect">
-            <a:avLst/>
-          </a:prstGeom>
-        </p:spPr>
-      </p:pic>
-      <p:pic>
-        <p:nvPicPr>
-          <p:cNvPr id="48" name="Imagen 47">
-            <a:extLst>
-              <a:ext uri="{FF2B5EF4-FFF2-40B4-BE49-F238E27FC236}">
-                <a16:creationId xmlns:a16="http://schemas.microsoft.com/office/drawing/2014/main" id="{870EA9CC-E48C-F946-9EDA-F6E82FF43A8F}"/>
-              </a:ext>
-            </a:extLst>
-          </p:cNvPr>
-          <p:cNvPicPr>
-            <a:picLocks noChangeAspect="1"/>
-          </p:cNvPicPr>
-          <p:nvPr/>
-        </p:nvPicPr>
-        <p:blipFill>
-          <a:blip r:embed="rId8"/>
-          <a:stretch>
-            <a:fillRect/>
-          </a:stretch>
-        </p:blipFill>
-        <p:spPr>
-          <a:xfrm>
-            <a:off x="5842649" y="3762685"/>
-            <a:ext cx="2717507" cy="1705038"/>
-          </a:xfrm>
-          <a:prstGeom prst="rect">
-            <a:avLst/>
-          </a:prstGeom>
-        </p:spPr>
-      </p:pic>
-      <p:pic>
-        <p:nvPicPr>
-          <p:cNvPr id="52" name="Imagen 51">
-            <a:extLst>
-              <a:ext uri="{FF2B5EF4-FFF2-40B4-BE49-F238E27FC236}">
-                <a16:creationId xmlns:a16="http://schemas.microsoft.com/office/drawing/2014/main" id="{D72F829A-C251-F34A-8B4D-D5EBE16C292A}"/>
-              </a:ext>
-            </a:extLst>
-          </p:cNvPr>
-          <p:cNvPicPr>
-            <a:picLocks noChangeAspect="1"/>
-          </p:cNvPicPr>
-          <p:nvPr/>
-        </p:nvPicPr>
-        <p:blipFill>
-          <a:blip r:embed="rId9"/>
-          <a:stretch>
-            <a:fillRect/>
-          </a:stretch>
-        </p:blipFill>
-        <p:spPr>
-          <a:xfrm>
-            <a:off x="2680459" y="3794233"/>
-            <a:ext cx="2702272" cy="1709669"/>
-          </a:xfrm>
-          <a:prstGeom prst="rect">
-            <a:avLst/>
-          </a:prstGeom>
-        </p:spPr>
-      </p:pic>
-      <p:cxnSp>
-        <p:nvCxnSpPr>
-          <p:cNvPr id="58" name="Conector recto de flecha 57">
-            <a:extLst>
-              <a:ext uri="{FF2B5EF4-FFF2-40B4-BE49-F238E27FC236}">
-                <a16:creationId xmlns:a16="http://schemas.microsoft.com/office/drawing/2014/main" id="{637BD572-CF8C-C748-9E0C-BE357ACBD642}"/>
-              </a:ext>
-            </a:extLst>
-          </p:cNvPr>
-          <p:cNvCxnSpPr>
-            <a:cxnSpLocks/>
-          </p:cNvCxnSpPr>
-          <p:nvPr/>
-        </p:nvCxnSpPr>
-        <p:spPr>
-          <a:xfrm flipH="1">
-            <a:off x="5424876" y="4693627"/>
-            <a:ext cx="399142" cy="5114"/>
-          </a:xfrm>
-          <a:prstGeom prst="straightConnector1">
-            <a:avLst/>
-          </a:prstGeom>
-          <a:ln>
-            <a:tailEnd type="triangle"/>
-          </a:ln>
-        </p:spPr>
-        <p:style>
-          <a:lnRef idx="1">
-            <a:schemeClr val="accent1"/>
-          </a:lnRef>
-          <a:fillRef idx="0">
-            <a:schemeClr val="accent1"/>
-          </a:fillRef>
-          <a:effectRef idx="0">
-            <a:schemeClr val="accent1"/>
-          </a:effectRef>
-          <a:fontRef idx="minor">
-            <a:schemeClr val="tx1"/>
-          </a:fontRef>
-        </p:style>
-      </p:cxnSp>
-      <p:sp>
-        <p:nvSpPr>
-          <p:cNvPr id="59" name="CuadroTexto 58">
-            <a:extLst>
-              <a:ext uri="{FF2B5EF4-FFF2-40B4-BE49-F238E27FC236}">
-                <a16:creationId xmlns:a16="http://schemas.microsoft.com/office/drawing/2014/main" id="{FF4894ED-9D3C-AC4E-A8E3-9ADF68F9700A}"/>
-              </a:ext>
-            </a:extLst>
-          </p:cNvPr>
-          <p:cNvSpPr txBox="1"/>
-          <p:nvPr/>
-        </p:nvSpPr>
-        <p:spPr>
-          <a:xfrm>
-            <a:off x="3090367" y="5503902"/>
-            <a:ext cx="2224712" cy="415498"/>
-          </a:xfrm>
-          <a:prstGeom prst="rect">
-            <a:avLst/>
-          </a:prstGeom>
-          <a:noFill/>
-        </p:spPr>
-        <p:txBody>
-          <a:bodyPr wrap="none" rtlCol="0">
-            <a:spAutoFit/>
-          </a:bodyPr>
-          <a:lstStyle/>
-          <a:p>
-            <a:pPr algn="ctr"/>
-            <a:r>
-              <a:rPr lang="es-ES" sz="1200" dirty="0"/>
-              <a:t>CONFIRMAR ELIMINAR EL VÍDEO</a:t>
-            </a:r>
-          </a:p>
-          <a:p>
-            <a:pPr algn="ctr"/>
-            <a:endParaRPr sz="900" dirty="0"/>
           </a:p>
         </p:txBody>
       </p:sp>
     </p:spTree>
     <p:extLst>
       <p:ext uri="{BB962C8B-B14F-4D97-AF65-F5344CB8AC3E}">
-        <p14:creationId xmlns:p14="http://schemas.microsoft.com/office/powerpoint/2010/main" val="3031914098"/>
+        <p14:creationId xmlns:p14="http://schemas.microsoft.com/office/powerpoint/2010/main" val="1611058291"/>
       </p:ext>
     </p:extLst>
   </p:cSld>
@@ -8014,6 +7291,980 @@
           <a:chExt cx="0" cy="0"/>
         </a:xfrm>
       </p:grpSpPr>
+      <p:pic>
+        <p:nvPicPr>
+          <p:cNvPr id="5" name="Imagen 4">
+            <a:extLst>
+              <a:ext uri="{FF2B5EF4-FFF2-40B4-BE49-F238E27FC236}">
+                <a16:creationId xmlns:a16="http://schemas.microsoft.com/office/drawing/2014/main" id="{9BF1B19A-C376-E84F-8CAD-409325A1A0F1}"/>
+              </a:ext>
+            </a:extLst>
+          </p:cNvPr>
+          <p:cNvPicPr>
+            <a:picLocks noChangeAspect="1"/>
+          </p:cNvPicPr>
+          <p:nvPr/>
+        </p:nvPicPr>
+        <p:blipFill>
+          <a:blip r:embed="rId3"/>
+          <a:stretch>
+            <a:fillRect/>
+          </a:stretch>
+        </p:blipFill>
+        <p:spPr>
+          <a:xfrm>
+            <a:off x="423778" y="1227292"/>
+            <a:ext cx="2475119" cy="1566762"/>
+          </a:xfrm>
+          <a:prstGeom prst="rect">
+            <a:avLst/>
+          </a:prstGeom>
+        </p:spPr>
+      </p:pic>
+      <p:sp>
+        <p:nvSpPr>
+          <p:cNvPr id="44" name="CuadroTexto 43">
+            <a:extLst>
+              <a:ext uri="{FF2B5EF4-FFF2-40B4-BE49-F238E27FC236}">
+                <a16:creationId xmlns:a16="http://schemas.microsoft.com/office/drawing/2014/main" id="{0BB11CFD-7D16-EC49-B0D8-31462F7CB650}"/>
+              </a:ext>
+            </a:extLst>
+          </p:cNvPr>
+          <p:cNvSpPr txBox="1"/>
+          <p:nvPr/>
+        </p:nvSpPr>
+        <p:spPr>
+          <a:xfrm>
+            <a:off x="9481273" y="5416218"/>
+            <a:ext cx="2013756" cy="276999"/>
+          </a:xfrm>
+          <a:prstGeom prst="rect">
+            <a:avLst/>
+          </a:prstGeom>
+          <a:noFill/>
+        </p:spPr>
+        <p:txBody>
+          <a:bodyPr wrap="none" rtlCol="0">
+            <a:spAutoFit/>
+          </a:bodyPr>
+          <a:lstStyle/>
+          <a:p>
+            <a:pPr algn="ctr"/>
+            <a:r>
+              <a:rPr lang="es-ES" sz="1200" dirty="0"/>
+              <a:t>EDITAR OPCIONES DEL VÍDEO</a:t>
+            </a:r>
+            <a:endParaRPr sz="1200" dirty="0"/>
+          </a:p>
+        </p:txBody>
+      </p:sp>
+      <p:cxnSp>
+        <p:nvCxnSpPr>
+          <p:cNvPr id="82" name="Conector recto de flecha 81">
+            <a:extLst>
+              <a:ext uri="{FF2B5EF4-FFF2-40B4-BE49-F238E27FC236}">
+                <a16:creationId xmlns:a16="http://schemas.microsoft.com/office/drawing/2014/main" id="{56927557-30B1-4548-876A-D53861E146BB}"/>
+              </a:ext>
+            </a:extLst>
+          </p:cNvPr>
+          <p:cNvCxnSpPr>
+            <a:cxnSpLocks/>
+          </p:cNvCxnSpPr>
+          <p:nvPr/>
+        </p:nvCxnSpPr>
+        <p:spPr>
+          <a:xfrm flipV="1">
+            <a:off x="5666022" y="2085891"/>
+            <a:ext cx="433720" cy="2173"/>
+          </a:xfrm>
+          <a:prstGeom prst="straightConnector1">
+            <a:avLst/>
+          </a:prstGeom>
+          <a:ln>
+            <a:tailEnd type="triangle"/>
+          </a:ln>
+        </p:spPr>
+        <p:style>
+          <a:lnRef idx="1">
+            <a:schemeClr val="accent1"/>
+          </a:lnRef>
+          <a:fillRef idx="0">
+            <a:schemeClr val="accent1"/>
+          </a:fillRef>
+          <a:effectRef idx="0">
+            <a:schemeClr val="accent1"/>
+          </a:effectRef>
+          <a:fontRef idx="minor">
+            <a:schemeClr val="tx1"/>
+          </a:fontRef>
+        </p:style>
+      </p:cxnSp>
+      <p:cxnSp>
+        <p:nvCxnSpPr>
+          <p:cNvPr id="86" name="Conector recto de flecha 85">
+            <a:extLst>
+              <a:ext uri="{FF2B5EF4-FFF2-40B4-BE49-F238E27FC236}">
+                <a16:creationId xmlns:a16="http://schemas.microsoft.com/office/drawing/2014/main" id="{D9130D0E-328F-A040-9CB6-ABE1B92FCF3D}"/>
+              </a:ext>
+            </a:extLst>
+          </p:cNvPr>
+          <p:cNvCxnSpPr>
+            <a:cxnSpLocks/>
+          </p:cNvCxnSpPr>
+          <p:nvPr/>
+        </p:nvCxnSpPr>
+        <p:spPr>
+          <a:xfrm flipV="1">
+            <a:off x="8521204" y="2085891"/>
+            <a:ext cx="433720" cy="2173"/>
+          </a:xfrm>
+          <a:prstGeom prst="straightConnector1">
+            <a:avLst/>
+          </a:prstGeom>
+          <a:ln>
+            <a:tailEnd type="triangle"/>
+          </a:ln>
+        </p:spPr>
+        <p:style>
+          <a:lnRef idx="1">
+            <a:schemeClr val="accent1"/>
+          </a:lnRef>
+          <a:fillRef idx="0">
+            <a:schemeClr val="accent1"/>
+          </a:fillRef>
+          <a:effectRef idx="0">
+            <a:schemeClr val="accent1"/>
+          </a:effectRef>
+          <a:fontRef idx="minor">
+            <a:schemeClr val="tx1"/>
+          </a:fontRef>
+        </p:style>
+      </p:cxnSp>
+      <p:cxnSp>
+        <p:nvCxnSpPr>
+          <p:cNvPr id="90" name="Conector recto de flecha 89">
+            <a:extLst>
+              <a:ext uri="{FF2B5EF4-FFF2-40B4-BE49-F238E27FC236}">
+                <a16:creationId xmlns:a16="http://schemas.microsoft.com/office/drawing/2014/main" id="{683D5B57-0C70-A040-82EB-AE539D3EE977}"/>
+              </a:ext>
+            </a:extLst>
+          </p:cNvPr>
+          <p:cNvCxnSpPr>
+            <a:cxnSpLocks/>
+            <a:stCxn id="39" idx="0"/>
+          </p:cNvCxnSpPr>
+          <p:nvPr/>
+        </p:nvCxnSpPr>
+        <p:spPr>
+          <a:xfrm>
+            <a:off x="10433508" y="2818317"/>
+            <a:ext cx="0" cy="944368"/>
+          </a:xfrm>
+          <a:prstGeom prst="straightConnector1">
+            <a:avLst/>
+          </a:prstGeom>
+          <a:ln>
+            <a:tailEnd type="triangle"/>
+          </a:ln>
+        </p:spPr>
+        <p:style>
+          <a:lnRef idx="1">
+            <a:schemeClr val="accent1"/>
+          </a:lnRef>
+          <a:fillRef idx="0">
+            <a:schemeClr val="accent1"/>
+          </a:fillRef>
+          <a:effectRef idx="0">
+            <a:schemeClr val="accent1"/>
+          </a:effectRef>
+          <a:fontRef idx="minor">
+            <a:schemeClr val="tx1"/>
+          </a:fontRef>
+        </p:style>
+      </p:cxnSp>
+      <p:cxnSp>
+        <p:nvCxnSpPr>
+          <p:cNvPr id="92" name="Conector recto de flecha 91">
+            <a:extLst>
+              <a:ext uri="{FF2B5EF4-FFF2-40B4-BE49-F238E27FC236}">
+                <a16:creationId xmlns:a16="http://schemas.microsoft.com/office/drawing/2014/main" id="{543EFC71-0108-E04F-A660-F0DDB5984179}"/>
+              </a:ext>
+            </a:extLst>
+          </p:cNvPr>
+          <p:cNvCxnSpPr>
+            <a:cxnSpLocks/>
+          </p:cNvCxnSpPr>
+          <p:nvPr/>
+        </p:nvCxnSpPr>
+        <p:spPr>
+          <a:xfrm flipH="1">
+            <a:off x="8585555" y="4615204"/>
+            <a:ext cx="399142" cy="5114"/>
+          </a:xfrm>
+          <a:prstGeom prst="straightConnector1">
+            <a:avLst/>
+          </a:prstGeom>
+          <a:ln>
+            <a:tailEnd type="triangle"/>
+          </a:ln>
+        </p:spPr>
+        <p:style>
+          <a:lnRef idx="1">
+            <a:schemeClr val="accent1"/>
+          </a:lnRef>
+          <a:fillRef idx="0">
+            <a:schemeClr val="accent1"/>
+          </a:fillRef>
+          <a:effectRef idx="0">
+            <a:schemeClr val="accent1"/>
+          </a:effectRef>
+          <a:fontRef idx="minor">
+            <a:schemeClr val="tx1"/>
+          </a:fontRef>
+        </p:style>
+      </p:cxnSp>
+      <p:sp>
+        <p:nvSpPr>
+          <p:cNvPr id="108" name="Marco 107">
+            <a:extLst>
+              <a:ext uri="{FF2B5EF4-FFF2-40B4-BE49-F238E27FC236}">
+                <a16:creationId xmlns:a16="http://schemas.microsoft.com/office/drawing/2014/main" id="{32109C76-D90F-2349-B47E-FEE62FA41BCF}"/>
+              </a:ext>
+            </a:extLst>
+          </p:cNvPr>
+          <p:cNvSpPr/>
+          <p:nvPr/>
+        </p:nvSpPr>
+        <p:spPr>
+          <a:xfrm>
+            <a:off x="2038479" y="1874490"/>
+            <a:ext cx="581891" cy="831600"/>
+          </a:xfrm>
+          <a:prstGeom prst="frame">
+            <a:avLst/>
+          </a:prstGeom>
+          <a:solidFill>
+            <a:srgbClr val="FF0000"/>
+          </a:solidFill>
+          <a:ln w="0">
+            <a:noFill/>
+          </a:ln>
+        </p:spPr>
+        <p:style>
+          <a:lnRef idx="2">
+            <a:schemeClr val="accent1">
+              <a:shade val="50000"/>
+            </a:schemeClr>
+          </a:lnRef>
+          <a:fillRef idx="1">
+            <a:schemeClr val="accent1"/>
+          </a:fillRef>
+          <a:effectRef idx="0">
+            <a:schemeClr val="accent1"/>
+          </a:effectRef>
+          <a:fontRef idx="minor">
+            <a:schemeClr val="lt1"/>
+          </a:fontRef>
+        </p:style>
+        <p:txBody>
+          <a:bodyPr rtlCol="0" anchor="ctr"/>
+          <a:lstStyle/>
+          <a:p>
+            <a:pPr algn="ctr"/>
+            <a:endParaRPr>
+              <a:solidFill>
+                <a:schemeClr val="tx1"/>
+              </a:solidFill>
+            </a:endParaRPr>
+          </a:p>
+        </p:txBody>
+      </p:sp>
+      <p:sp>
+        <p:nvSpPr>
+          <p:cNvPr id="27" name="CuadroTexto 26">
+            <a:extLst>
+              <a:ext uri="{FF2B5EF4-FFF2-40B4-BE49-F238E27FC236}">
+                <a16:creationId xmlns:a16="http://schemas.microsoft.com/office/drawing/2014/main" id="{9CD0D1A0-1418-2A49-91FF-5BF61EF3E55C}"/>
+              </a:ext>
+            </a:extLst>
+          </p:cNvPr>
+          <p:cNvSpPr txBox="1"/>
+          <p:nvPr/>
+        </p:nvSpPr>
+        <p:spPr>
+          <a:xfrm>
+            <a:off x="423778" y="2804801"/>
+            <a:ext cx="2337651" cy="461665"/>
+          </a:xfrm>
+          <a:prstGeom prst="rect">
+            <a:avLst/>
+          </a:prstGeom>
+          <a:noFill/>
+        </p:spPr>
+        <p:txBody>
+          <a:bodyPr wrap="square" rtlCol="0">
+            <a:spAutoFit/>
+          </a:bodyPr>
+          <a:lstStyle/>
+          <a:p>
+            <a:pPr algn="ctr"/>
+            <a:r>
+              <a:rPr lang="es-ES" sz="1200" dirty="0"/>
+              <a:t>OPCIONES DENTRO DE LA OPCION CURSO (INGRESA A VIDEOS)</a:t>
+            </a:r>
+            <a:endParaRPr sz="1200" dirty="0"/>
+          </a:p>
+        </p:txBody>
+      </p:sp>
+      <p:cxnSp>
+        <p:nvCxnSpPr>
+          <p:cNvPr id="30" name="Conector recto de flecha 29">
+            <a:extLst>
+              <a:ext uri="{FF2B5EF4-FFF2-40B4-BE49-F238E27FC236}">
+                <a16:creationId xmlns:a16="http://schemas.microsoft.com/office/drawing/2014/main" id="{A5D57E8D-FBEE-3B46-9065-D7331EC24A61}"/>
+              </a:ext>
+            </a:extLst>
+          </p:cNvPr>
+          <p:cNvCxnSpPr>
+            <a:cxnSpLocks/>
+          </p:cNvCxnSpPr>
+          <p:nvPr/>
+        </p:nvCxnSpPr>
+        <p:spPr>
+          <a:xfrm flipV="1">
+            <a:off x="2856592" y="2085891"/>
+            <a:ext cx="433720" cy="2173"/>
+          </a:xfrm>
+          <a:prstGeom prst="straightConnector1">
+            <a:avLst/>
+          </a:prstGeom>
+          <a:ln>
+            <a:tailEnd type="triangle"/>
+          </a:ln>
+        </p:spPr>
+        <p:style>
+          <a:lnRef idx="1">
+            <a:schemeClr val="accent1"/>
+          </a:lnRef>
+          <a:fillRef idx="0">
+            <a:schemeClr val="accent1"/>
+          </a:fillRef>
+          <a:effectRef idx="0">
+            <a:schemeClr val="accent1"/>
+          </a:effectRef>
+          <a:fontRef idx="minor">
+            <a:schemeClr val="tx1"/>
+          </a:fontRef>
+        </p:style>
+      </p:cxnSp>
+      <p:sp>
+        <p:nvSpPr>
+          <p:cNvPr id="35" name="CuadroTexto 34">
+            <a:extLst>
+              <a:ext uri="{FF2B5EF4-FFF2-40B4-BE49-F238E27FC236}">
+                <a16:creationId xmlns:a16="http://schemas.microsoft.com/office/drawing/2014/main" id="{93CA728B-177B-C841-94DE-CCE90A6A0F36}"/>
+              </a:ext>
+            </a:extLst>
+          </p:cNvPr>
+          <p:cNvSpPr txBox="1"/>
+          <p:nvPr/>
+        </p:nvSpPr>
+        <p:spPr>
+          <a:xfrm>
+            <a:off x="6160800" y="2794054"/>
+            <a:ext cx="2558025" cy="646331"/>
+          </a:xfrm>
+          <a:prstGeom prst="rect">
+            <a:avLst/>
+          </a:prstGeom>
+          <a:noFill/>
+        </p:spPr>
+        <p:txBody>
+          <a:bodyPr wrap="square" rtlCol="0">
+            <a:spAutoFit/>
+          </a:bodyPr>
+          <a:lstStyle/>
+          <a:p>
+            <a:pPr algn="ctr"/>
+            <a:r>
+              <a:rPr lang="es-ES" sz="1200" dirty="0"/>
+              <a:t>CREAR Y CARGAR EL VIDEO NUEVO Y PONER A QUE CURSO Y TEMA PERTENECE</a:t>
+            </a:r>
+            <a:endParaRPr sz="1200" dirty="0"/>
+          </a:p>
+        </p:txBody>
+      </p:sp>
+      <p:sp>
+        <p:nvSpPr>
+          <p:cNvPr id="39" name="CuadroTexto 38">
+            <a:extLst>
+              <a:ext uri="{FF2B5EF4-FFF2-40B4-BE49-F238E27FC236}">
+                <a16:creationId xmlns:a16="http://schemas.microsoft.com/office/drawing/2014/main" id="{A7E8D7C7-FA35-8B44-A410-C5BC8003E294}"/>
+              </a:ext>
+            </a:extLst>
+          </p:cNvPr>
+          <p:cNvSpPr txBox="1"/>
+          <p:nvPr/>
+        </p:nvSpPr>
+        <p:spPr>
+          <a:xfrm>
+            <a:off x="9555960" y="2818317"/>
+            <a:ext cx="1755096" cy="276999"/>
+          </a:xfrm>
+          <a:prstGeom prst="rect">
+            <a:avLst/>
+          </a:prstGeom>
+          <a:noFill/>
+        </p:spPr>
+        <p:txBody>
+          <a:bodyPr wrap="none" rtlCol="0">
+            <a:spAutoFit/>
+          </a:bodyPr>
+          <a:lstStyle/>
+          <a:p>
+            <a:pPr algn="ctr"/>
+            <a:r>
+              <a:rPr lang="es-ES" sz="1200" dirty="0"/>
+              <a:t>BOTÓN DE EDITAR VÍDEO</a:t>
+            </a:r>
+            <a:endParaRPr sz="1200" dirty="0"/>
+          </a:p>
+        </p:txBody>
+      </p:sp>
+      <p:sp>
+        <p:nvSpPr>
+          <p:cNvPr id="45" name="CuadroTexto 44">
+            <a:extLst>
+              <a:ext uri="{FF2B5EF4-FFF2-40B4-BE49-F238E27FC236}">
+                <a16:creationId xmlns:a16="http://schemas.microsoft.com/office/drawing/2014/main" id="{C89C3AB7-4E1A-6B46-9B66-8B209CA85E69}"/>
+              </a:ext>
+            </a:extLst>
+          </p:cNvPr>
+          <p:cNvSpPr txBox="1"/>
+          <p:nvPr/>
+        </p:nvSpPr>
+        <p:spPr>
+          <a:xfrm>
+            <a:off x="6094250" y="5490064"/>
+            <a:ext cx="2347695" cy="415498"/>
+          </a:xfrm>
+          <a:prstGeom prst="rect">
+            <a:avLst/>
+          </a:prstGeom>
+          <a:noFill/>
+        </p:spPr>
+        <p:txBody>
+          <a:bodyPr wrap="none" rtlCol="0">
+            <a:spAutoFit/>
+          </a:bodyPr>
+          <a:lstStyle/>
+          <a:p>
+            <a:pPr algn="ctr"/>
+            <a:r>
+              <a:rPr lang="es-ES" sz="1200" dirty="0"/>
+              <a:t>SELECCIONA EL VÍDEO A ELIMINAR</a:t>
+            </a:r>
+          </a:p>
+          <a:p>
+            <a:pPr algn="ctr"/>
+            <a:endParaRPr sz="900" dirty="0"/>
+          </a:p>
+        </p:txBody>
+      </p:sp>
+      <p:sp>
+        <p:nvSpPr>
+          <p:cNvPr id="47" name="Título 1">
+            <a:extLst>
+              <a:ext uri="{FF2B5EF4-FFF2-40B4-BE49-F238E27FC236}">
+                <a16:creationId xmlns:a16="http://schemas.microsoft.com/office/drawing/2014/main" id="{B1403A9A-9F40-2C40-A967-6D7980D1F75F}"/>
+              </a:ext>
+            </a:extLst>
+          </p:cNvPr>
+          <p:cNvSpPr txBox="1">
+            <a:spLocks/>
+          </p:cNvSpPr>
+          <p:nvPr/>
+        </p:nvSpPr>
+        <p:spPr>
+          <a:xfrm>
+            <a:off x="155480" y="483762"/>
+            <a:ext cx="1966353" cy="655566"/>
+          </a:xfrm>
+          <a:prstGeom prst="rect">
+            <a:avLst/>
+          </a:prstGeom>
+        </p:spPr>
+        <p:txBody>
+          <a:bodyPr vert="horz" lIns="91440" tIns="45720" rIns="91440" bIns="45720" rtlCol="0" anchor="b">
+            <a:normAutofit/>
+          </a:bodyPr>
+          <a:lstStyle>
+            <a:lvl1pPr algn="ctr" defTabSz="914400" rtl="0" eaLnBrk="1" latinLnBrk="0" hangingPunct="1">
+              <a:lnSpc>
+                <a:spcPct val="90000"/>
+              </a:lnSpc>
+              <a:spcBef>
+                <a:spcPct val="0"/>
+              </a:spcBef>
+              <a:buNone/>
+              <a:defRPr sz="6000" kern="1200">
+                <a:solidFill>
+                  <a:schemeClr val="tx1"/>
+                </a:solidFill>
+                <a:latin typeface="+mj-lt"/>
+                <a:ea typeface="+mj-ea"/>
+                <a:cs typeface="+mj-cs"/>
+              </a:defRPr>
+            </a:lvl1pPr>
+          </a:lstStyle>
+          <a:p>
+            <a:r>
+              <a:rPr lang="es-ES" sz="4000" dirty="0"/>
+              <a:t>VÍDEOS</a:t>
+            </a:r>
+          </a:p>
+        </p:txBody>
+      </p:sp>
+      <p:sp>
+        <p:nvSpPr>
+          <p:cNvPr id="40" name="CuadroTexto 39">
+            <a:extLst>
+              <a:ext uri="{FF2B5EF4-FFF2-40B4-BE49-F238E27FC236}">
+                <a16:creationId xmlns:a16="http://schemas.microsoft.com/office/drawing/2014/main" id="{FD43F265-14D3-EE4C-8C2B-35E98DE5E660}"/>
+              </a:ext>
+            </a:extLst>
+          </p:cNvPr>
+          <p:cNvSpPr txBox="1"/>
+          <p:nvPr/>
+        </p:nvSpPr>
+        <p:spPr>
+          <a:xfrm>
+            <a:off x="3763728" y="2843069"/>
+            <a:ext cx="1771512" cy="276999"/>
+          </a:xfrm>
+          <a:prstGeom prst="rect">
+            <a:avLst/>
+          </a:prstGeom>
+          <a:noFill/>
+        </p:spPr>
+        <p:txBody>
+          <a:bodyPr wrap="none" rtlCol="0">
+            <a:spAutoFit/>
+          </a:bodyPr>
+          <a:lstStyle/>
+          <a:p>
+            <a:pPr algn="ctr"/>
+            <a:r>
+              <a:rPr lang="es-ES" sz="1200" dirty="0"/>
+              <a:t>BOTÓN DE NUEVO VIDEO</a:t>
+            </a:r>
+            <a:endParaRPr sz="1200" dirty="0"/>
+          </a:p>
+        </p:txBody>
+      </p:sp>
+      <p:pic>
+        <p:nvPicPr>
+          <p:cNvPr id="23" name="Imagen 22">
+            <a:extLst>
+              <a:ext uri="{FF2B5EF4-FFF2-40B4-BE49-F238E27FC236}">
+                <a16:creationId xmlns:a16="http://schemas.microsoft.com/office/drawing/2014/main" id="{6B78CC58-8C27-3C47-B691-147BCC1D612C}"/>
+              </a:ext>
+            </a:extLst>
+          </p:cNvPr>
+          <p:cNvPicPr>
+            <a:picLocks noChangeAspect="1"/>
+          </p:cNvPicPr>
+          <p:nvPr/>
+        </p:nvPicPr>
+        <p:blipFill>
+          <a:blip r:embed="rId4"/>
+          <a:stretch>
+            <a:fillRect/>
+          </a:stretch>
+        </p:blipFill>
+        <p:spPr>
+          <a:xfrm>
+            <a:off x="3290312" y="1216342"/>
+            <a:ext cx="2475119" cy="1563866"/>
+          </a:xfrm>
+          <a:prstGeom prst="rect">
+            <a:avLst/>
+          </a:prstGeom>
+        </p:spPr>
+      </p:pic>
+      <p:sp>
+        <p:nvSpPr>
+          <p:cNvPr id="43" name="Marco 42">
+            <a:extLst>
+              <a:ext uri="{FF2B5EF4-FFF2-40B4-BE49-F238E27FC236}">
+                <a16:creationId xmlns:a16="http://schemas.microsoft.com/office/drawing/2014/main" id="{CB299AA6-78F7-0448-A88D-63E62E9677D1}"/>
+              </a:ext>
+            </a:extLst>
+          </p:cNvPr>
+          <p:cNvSpPr/>
+          <p:nvPr/>
+        </p:nvSpPr>
+        <p:spPr>
+          <a:xfrm>
+            <a:off x="3595742" y="2415626"/>
+            <a:ext cx="431552" cy="266731"/>
+          </a:xfrm>
+          <a:prstGeom prst="frame">
+            <a:avLst/>
+          </a:prstGeom>
+          <a:solidFill>
+            <a:srgbClr val="FF0000"/>
+          </a:solidFill>
+          <a:ln w="0">
+            <a:noFill/>
+          </a:ln>
+        </p:spPr>
+        <p:style>
+          <a:lnRef idx="2">
+            <a:schemeClr val="accent1">
+              <a:shade val="50000"/>
+            </a:schemeClr>
+          </a:lnRef>
+          <a:fillRef idx="1">
+            <a:schemeClr val="accent1"/>
+          </a:fillRef>
+          <a:effectRef idx="0">
+            <a:schemeClr val="accent1"/>
+          </a:effectRef>
+          <a:fontRef idx="minor">
+            <a:schemeClr val="lt1"/>
+          </a:fontRef>
+        </p:style>
+        <p:txBody>
+          <a:bodyPr rtlCol="0" anchor="ctr"/>
+          <a:lstStyle/>
+          <a:p>
+            <a:pPr algn="ctr"/>
+            <a:endParaRPr>
+              <a:solidFill>
+                <a:schemeClr val="tx1"/>
+              </a:solidFill>
+            </a:endParaRPr>
+          </a:p>
+        </p:txBody>
+      </p:sp>
+      <p:pic>
+        <p:nvPicPr>
+          <p:cNvPr id="26" name="Imagen 25">
+            <a:extLst>
+              <a:ext uri="{FF2B5EF4-FFF2-40B4-BE49-F238E27FC236}">
+                <a16:creationId xmlns:a16="http://schemas.microsoft.com/office/drawing/2014/main" id="{D7C35B23-AF94-DA46-BD4A-BF66A56BF200}"/>
+              </a:ext>
+            </a:extLst>
+          </p:cNvPr>
+          <p:cNvPicPr>
+            <a:picLocks noChangeAspect="1"/>
+          </p:cNvPicPr>
+          <p:nvPr/>
+        </p:nvPicPr>
+        <p:blipFill>
+          <a:blip r:embed="rId5"/>
+          <a:stretch>
+            <a:fillRect/>
+          </a:stretch>
+        </p:blipFill>
+        <p:spPr>
+          <a:xfrm>
+            <a:off x="6119546" y="1252124"/>
+            <a:ext cx="2393429" cy="1516133"/>
+          </a:xfrm>
+          <a:prstGeom prst="rect">
+            <a:avLst/>
+          </a:prstGeom>
+        </p:spPr>
+      </p:pic>
+      <p:pic>
+        <p:nvPicPr>
+          <p:cNvPr id="31" name="Imagen 30">
+            <a:extLst>
+              <a:ext uri="{FF2B5EF4-FFF2-40B4-BE49-F238E27FC236}">
+                <a16:creationId xmlns:a16="http://schemas.microsoft.com/office/drawing/2014/main" id="{F576D312-2C5C-5340-BD5C-B8CE9EE1D87E}"/>
+              </a:ext>
+            </a:extLst>
+          </p:cNvPr>
+          <p:cNvPicPr>
+            <a:picLocks noChangeAspect="1"/>
+          </p:cNvPicPr>
+          <p:nvPr/>
+        </p:nvPicPr>
+        <p:blipFill>
+          <a:blip r:embed="rId6"/>
+          <a:stretch>
+            <a:fillRect/>
+          </a:stretch>
+        </p:blipFill>
+        <p:spPr>
+          <a:xfrm>
+            <a:off x="8984697" y="1216342"/>
+            <a:ext cx="2527624" cy="1601139"/>
+          </a:xfrm>
+          <a:prstGeom prst="rect">
+            <a:avLst/>
+          </a:prstGeom>
+        </p:spPr>
+      </p:pic>
+      <p:sp>
+        <p:nvSpPr>
+          <p:cNvPr id="50" name="Marco 49">
+            <a:extLst>
+              <a:ext uri="{FF2B5EF4-FFF2-40B4-BE49-F238E27FC236}">
+                <a16:creationId xmlns:a16="http://schemas.microsoft.com/office/drawing/2014/main" id="{47DF85A3-92A4-834E-B540-CA0056A29984}"/>
+              </a:ext>
+            </a:extLst>
+          </p:cNvPr>
+          <p:cNvSpPr/>
+          <p:nvPr/>
+        </p:nvSpPr>
+        <p:spPr>
+          <a:xfrm>
+            <a:off x="10001956" y="2454793"/>
+            <a:ext cx="431552" cy="266731"/>
+          </a:xfrm>
+          <a:prstGeom prst="frame">
+            <a:avLst/>
+          </a:prstGeom>
+          <a:solidFill>
+            <a:srgbClr val="FF0000"/>
+          </a:solidFill>
+          <a:ln w="0">
+            <a:noFill/>
+          </a:ln>
+        </p:spPr>
+        <p:style>
+          <a:lnRef idx="2">
+            <a:schemeClr val="accent1">
+              <a:shade val="50000"/>
+            </a:schemeClr>
+          </a:lnRef>
+          <a:fillRef idx="1">
+            <a:schemeClr val="accent1"/>
+          </a:fillRef>
+          <a:effectRef idx="0">
+            <a:schemeClr val="accent1"/>
+          </a:effectRef>
+          <a:fontRef idx="minor">
+            <a:schemeClr val="lt1"/>
+          </a:fontRef>
+        </p:style>
+        <p:txBody>
+          <a:bodyPr rtlCol="0" anchor="ctr"/>
+          <a:lstStyle/>
+          <a:p>
+            <a:pPr algn="ctr"/>
+            <a:endParaRPr>
+              <a:solidFill>
+                <a:schemeClr val="tx1"/>
+              </a:solidFill>
+            </a:endParaRPr>
+          </a:p>
+        </p:txBody>
+      </p:sp>
+      <p:pic>
+        <p:nvPicPr>
+          <p:cNvPr id="36" name="Imagen 35">
+            <a:extLst>
+              <a:ext uri="{FF2B5EF4-FFF2-40B4-BE49-F238E27FC236}">
+                <a16:creationId xmlns:a16="http://schemas.microsoft.com/office/drawing/2014/main" id="{6AAE9877-329E-6346-BEFE-45DC5F078131}"/>
+              </a:ext>
+            </a:extLst>
+          </p:cNvPr>
+          <p:cNvPicPr>
+            <a:picLocks noChangeAspect="1"/>
+          </p:cNvPicPr>
+          <p:nvPr/>
+        </p:nvPicPr>
+        <p:blipFill>
+          <a:blip r:embed="rId7"/>
+          <a:stretch>
+            <a:fillRect/>
+          </a:stretch>
+        </p:blipFill>
+        <p:spPr>
+          <a:xfrm>
+            <a:off x="8967408" y="3787201"/>
+            <a:ext cx="2552506" cy="1613762"/>
+          </a:xfrm>
+          <a:prstGeom prst="rect">
+            <a:avLst/>
+          </a:prstGeom>
+        </p:spPr>
+      </p:pic>
+      <p:pic>
+        <p:nvPicPr>
+          <p:cNvPr id="48" name="Imagen 47">
+            <a:extLst>
+              <a:ext uri="{FF2B5EF4-FFF2-40B4-BE49-F238E27FC236}">
+                <a16:creationId xmlns:a16="http://schemas.microsoft.com/office/drawing/2014/main" id="{870EA9CC-E48C-F946-9EDA-F6E82FF43A8F}"/>
+              </a:ext>
+            </a:extLst>
+          </p:cNvPr>
+          <p:cNvPicPr>
+            <a:picLocks noChangeAspect="1"/>
+          </p:cNvPicPr>
+          <p:nvPr/>
+        </p:nvPicPr>
+        <p:blipFill>
+          <a:blip r:embed="rId8"/>
+          <a:stretch>
+            <a:fillRect/>
+          </a:stretch>
+        </p:blipFill>
+        <p:spPr>
+          <a:xfrm>
+            <a:off x="5842649" y="3762685"/>
+            <a:ext cx="2717507" cy="1705038"/>
+          </a:xfrm>
+          <a:prstGeom prst="rect">
+            <a:avLst/>
+          </a:prstGeom>
+        </p:spPr>
+      </p:pic>
+      <p:pic>
+        <p:nvPicPr>
+          <p:cNvPr id="52" name="Imagen 51">
+            <a:extLst>
+              <a:ext uri="{FF2B5EF4-FFF2-40B4-BE49-F238E27FC236}">
+                <a16:creationId xmlns:a16="http://schemas.microsoft.com/office/drawing/2014/main" id="{D72F829A-C251-F34A-8B4D-D5EBE16C292A}"/>
+              </a:ext>
+            </a:extLst>
+          </p:cNvPr>
+          <p:cNvPicPr>
+            <a:picLocks noChangeAspect="1"/>
+          </p:cNvPicPr>
+          <p:nvPr/>
+        </p:nvPicPr>
+        <p:blipFill>
+          <a:blip r:embed="rId9"/>
+          <a:stretch>
+            <a:fillRect/>
+          </a:stretch>
+        </p:blipFill>
+        <p:spPr>
+          <a:xfrm>
+            <a:off x="2680459" y="3794233"/>
+            <a:ext cx="2702272" cy="1709669"/>
+          </a:xfrm>
+          <a:prstGeom prst="rect">
+            <a:avLst/>
+          </a:prstGeom>
+        </p:spPr>
+      </p:pic>
+      <p:cxnSp>
+        <p:nvCxnSpPr>
+          <p:cNvPr id="58" name="Conector recto de flecha 57">
+            <a:extLst>
+              <a:ext uri="{FF2B5EF4-FFF2-40B4-BE49-F238E27FC236}">
+                <a16:creationId xmlns:a16="http://schemas.microsoft.com/office/drawing/2014/main" id="{637BD572-CF8C-C748-9E0C-BE357ACBD642}"/>
+              </a:ext>
+            </a:extLst>
+          </p:cNvPr>
+          <p:cNvCxnSpPr>
+            <a:cxnSpLocks/>
+          </p:cNvCxnSpPr>
+          <p:nvPr/>
+        </p:nvCxnSpPr>
+        <p:spPr>
+          <a:xfrm flipH="1">
+            <a:off x="5424876" y="4693627"/>
+            <a:ext cx="399142" cy="5114"/>
+          </a:xfrm>
+          <a:prstGeom prst="straightConnector1">
+            <a:avLst/>
+          </a:prstGeom>
+          <a:ln>
+            <a:tailEnd type="triangle"/>
+          </a:ln>
+        </p:spPr>
+        <p:style>
+          <a:lnRef idx="1">
+            <a:schemeClr val="accent1"/>
+          </a:lnRef>
+          <a:fillRef idx="0">
+            <a:schemeClr val="accent1"/>
+          </a:fillRef>
+          <a:effectRef idx="0">
+            <a:schemeClr val="accent1"/>
+          </a:effectRef>
+          <a:fontRef idx="minor">
+            <a:schemeClr val="tx1"/>
+          </a:fontRef>
+        </p:style>
+      </p:cxnSp>
+      <p:sp>
+        <p:nvSpPr>
+          <p:cNvPr id="59" name="CuadroTexto 58">
+            <a:extLst>
+              <a:ext uri="{FF2B5EF4-FFF2-40B4-BE49-F238E27FC236}">
+                <a16:creationId xmlns:a16="http://schemas.microsoft.com/office/drawing/2014/main" id="{FF4894ED-9D3C-AC4E-A8E3-9ADF68F9700A}"/>
+              </a:ext>
+            </a:extLst>
+          </p:cNvPr>
+          <p:cNvSpPr txBox="1"/>
+          <p:nvPr/>
+        </p:nvSpPr>
+        <p:spPr>
+          <a:xfrm>
+            <a:off x="3090367" y="5503902"/>
+            <a:ext cx="2224712" cy="415498"/>
+          </a:xfrm>
+          <a:prstGeom prst="rect">
+            <a:avLst/>
+          </a:prstGeom>
+          <a:noFill/>
+        </p:spPr>
+        <p:txBody>
+          <a:bodyPr wrap="none" rtlCol="0">
+            <a:spAutoFit/>
+          </a:bodyPr>
+          <a:lstStyle/>
+          <a:p>
+            <a:pPr algn="ctr"/>
+            <a:r>
+              <a:rPr lang="es-ES" sz="1200" dirty="0"/>
+              <a:t>CONFIRMAR ELIMINAR EL VÍDEO</a:t>
+            </a:r>
+          </a:p>
+          <a:p>
+            <a:pPr algn="ctr"/>
+            <a:endParaRPr sz="900" dirty="0"/>
+          </a:p>
+        </p:txBody>
+      </p:sp>
+    </p:spTree>
+    <p:extLst>
+      <p:ext uri="{BB962C8B-B14F-4D97-AF65-F5344CB8AC3E}">
+        <p14:creationId xmlns:p14="http://schemas.microsoft.com/office/powerpoint/2010/main" val="3031914098"/>
+      </p:ext>
+    </p:extLst>
+  </p:cSld>
+  <p:clrMapOvr>
+    <a:masterClrMapping/>
+  </p:clrMapOvr>
+</p:sld>
+</file>
+
+<file path=ppt/slides/slide8.xml><?xml version="1.0" encoding="utf-8"?>
+<p:sld xmlns:a="http://schemas.openxmlformats.org/drawingml/2006/main" xmlns:r="http://schemas.openxmlformats.org/officeDocument/2006/relationships" xmlns:p="http://schemas.openxmlformats.org/presentationml/2006/main">
+  <p:cSld>
+    <p:spTree>
+      <p:nvGrpSpPr>
+        <p:cNvPr id="1" name=""/>
+        <p:cNvGrpSpPr/>
+        <p:nvPr/>
+      </p:nvGrpSpPr>
+      <p:grpSpPr>
+        <a:xfrm>
+          <a:off x="0" y="0"/>
+          <a:ext cx="0" cy="0"/>
+          <a:chOff x="0" y="0"/>
+          <a:chExt cx="0" cy="0"/>
+        </a:xfrm>
+      </p:grpSpPr>
       <p:sp>
         <p:nvSpPr>
           <p:cNvPr id="2" name="Título 1">
@@ -8085,7 +8336,7 @@
 </p:sld>
 </file>
 
-<file path=ppt/slides/slide8.xml><?xml version="1.0" encoding="utf-8"?>
+<file path=ppt/slides/slide9.xml><?xml version="1.0" encoding="utf-8"?>
 <p:sld xmlns:a="http://schemas.openxmlformats.org/drawingml/2006/main" xmlns:r="http://schemas.openxmlformats.org/officeDocument/2006/relationships" xmlns:p="http://schemas.openxmlformats.org/presentationml/2006/main">
   <p:cSld>
     <p:bg>
@@ -8198,157 +8449,6 @@
     <p:extLst>
       <p:ext uri="{BB962C8B-B14F-4D97-AF65-F5344CB8AC3E}">
         <p14:creationId xmlns:p14="http://schemas.microsoft.com/office/powerpoint/2010/main" val="2826639508"/>
-      </p:ext>
-    </p:extLst>
-  </p:cSld>
-  <p:clrMapOvr>
-    <a:masterClrMapping/>
-  </p:clrMapOvr>
-</p:sld>
-</file>
-
-<file path=ppt/slides/slide9.xml><?xml version="1.0" encoding="utf-8"?>
-<p:sld xmlns:a="http://schemas.openxmlformats.org/drawingml/2006/main" xmlns:r="http://schemas.openxmlformats.org/officeDocument/2006/relationships" xmlns:p="http://schemas.openxmlformats.org/presentationml/2006/main">
-  <p:cSld>
-    <p:spTree>
-      <p:nvGrpSpPr>
-        <p:cNvPr id="1" name=""/>
-        <p:cNvGrpSpPr/>
-        <p:nvPr/>
-      </p:nvGrpSpPr>
-      <p:grpSpPr>
-        <a:xfrm>
-          <a:off x="0" y="0"/>
-          <a:ext cx="0" cy="0"/>
-          <a:chOff x="0" y="0"/>
-          <a:chExt cx="0" cy="0"/>
-        </a:xfrm>
-      </p:grpSpPr>
-      <p:sp>
-        <p:nvSpPr>
-          <p:cNvPr id="13" name="CuadroTexto 12">
-            <a:extLst>
-              <a:ext uri="{FF2B5EF4-FFF2-40B4-BE49-F238E27FC236}">
-                <a16:creationId xmlns:a16="http://schemas.microsoft.com/office/drawing/2014/main" id="{0484E490-0BD3-BE41-A156-6FB93B92A2EE}"/>
-              </a:ext>
-            </a:extLst>
-          </p:cNvPr>
-          <p:cNvSpPr txBox="1"/>
-          <p:nvPr/>
-        </p:nvSpPr>
-        <p:spPr>
-          <a:xfrm>
-            <a:off x="3506160" y="5102489"/>
-            <a:ext cx="5041132" cy="307777"/>
-          </a:xfrm>
-          <a:prstGeom prst="rect">
-            <a:avLst/>
-          </a:prstGeom>
-          <a:noFill/>
-        </p:spPr>
-        <p:txBody>
-          <a:bodyPr wrap="square" rtlCol="0">
-            <a:spAutoFit/>
-          </a:bodyPr>
-          <a:lstStyle/>
-          <a:p>
-            <a:pPr algn="ctr"/>
-            <a:r>
-              <a:rPr lang="es-ES" sz="1400" dirty="0"/>
-              <a:t>OPCIONES DEL ALUMNO</a:t>
-            </a:r>
-            <a:endParaRPr sz="1400" dirty="0"/>
-          </a:p>
-        </p:txBody>
-      </p:sp>
-      <p:sp>
-        <p:nvSpPr>
-          <p:cNvPr id="15" name="Título 1">
-            <a:extLst>
-              <a:ext uri="{FF2B5EF4-FFF2-40B4-BE49-F238E27FC236}">
-                <a16:creationId xmlns:a16="http://schemas.microsoft.com/office/drawing/2014/main" id="{37B584E0-02B0-AD42-8485-C3FA0BFE8ECB}"/>
-              </a:ext>
-            </a:extLst>
-          </p:cNvPr>
-          <p:cNvSpPr txBox="1">
-            <a:spLocks/>
-          </p:cNvSpPr>
-          <p:nvPr/>
-        </p:nvSpPr>
-        <p:spPr>
-          <a:xfrm>
-            <a:off x="3091682" y="625749"/>
-            <a:ext cx="5179678" cy="655566"/>
-          </a:xfrm>
-          <a:prstGeom prst="rect">
-            <a:avLst/>
-          </a:prstGeom>
-        </p:spPr>
-        <p:txBody>
-          <a:bodyPr vert="horz" lIns="91440" tIns="45720" rIns="91440" bIns="45720" rtlCol="0" anchor="b">
-            <a:normAutofit fontScale="62500" lnSpcReduction="20000"/>
-          </a:bodyPr>
-          <a:lstStyle>
-            <a:lvl1pPr algn="ctr" defTabSz="914400" rtl="0" eaLnBrk="1" latinLnBrk="0" hangingPunct="1">
-              <a:lnSpc>
-                <a:spcPct val="90000"/>
-              </a:lnSpc>
-              <a:spcBef>
-                <a:spcPct val="0"/>
-              </a:spcBef>
-              <a:buNone/>
-              <a:defRPr sz="6000" kern="1200">
-                <a:solidFill>
-                  <a:schemeClr val="tx1"/>
-                </a:solidFill>
-                <a:latin typeface="+mj-lt"/>
-                <a:ea typeface="+mj-ea"/>
-                <a:cs typeface="+mj-cs"/>
-              </a:defRPr>
-            </a:lvl1pPr>
-          </a:lstStyle>
-          <a:p>
-            <a:r>
-              <a:rPr lang="es-ES" sz="4000" dirty="0"/>
-              <a:t>VENTANA DE LAS OPCIONES DEL ALUMNO</a:t>
-            </a:r>
-          </a:p>
-        </p:txBody>
-      </p:sp>
-      <p:pic>
-        <p:nvPicPr>
-          <p:cNvPr id="4" name="Imagen 3">
-            <a:extLst>
-              <a:ext uri="{FF2B5EF4-FFF2-40B4-BE49-F238E27FC236}">
-                <a16:creationId xmlns:a16="http://schemas.microsoft.com/office/drawing/2014/main" id="{1F7428CE-3AF1-2349-B5A4-74EBFA82305A}"/>
-              </a:ext>
-            </a:extLst>
-          </p:cNvPr>
-          <p:cNvPicPr>
-            <a:picLocks noChangeAspect="1"/>
-          </p:cNvPicPr>
-          <p:nvPr/>
-        </p:nvPicPr>
-        <p:blipFill>
-          <a:blip r:embed="rId2"/>
-          <a:stretch>
-            <a:fillRect/>
-          </a:stretch>
-        </p:blipFill>
-        <p:spPr>
-          <a:xfrm>
-            <a:off x="3091682" y="1755511"/>
-            <a:ext cx="5287446" cy="3346979"/>
-          </a:xfrm>
-          <a:prstGeom prst="rect">
-            <a:avLst/>
-          </a:prstGeom>
-        </p:spPr>
-      </p:pic>
-    </p:spTree>
-    <p:extLst>
-      <p:ext uri="{BB962C8B-B14F-4D97-AF65-F5344CB8AC3E}">
-        <p14:creationId xmlns:p14="http://schemas.microsoft.com/office/powerpoint/2010/main" val="663568119"/>
       </p:ext>
     </p:extLst>
   </p:cSld>

--- a/PROTOTIPO EMOCIONES/PROTOTIPO SPE.pptx
+++ b/PROTOTIPO EMOCIONES/PROTOTIPO SPE.pptx
@@ -208,7 +208,7 @@
           <a:p>
             <a:fld id="{395D2B66-4093-BB4E-A15A-822850D21C7F}" type="datetimeFigureOut">
               <a:rPr lang="es-MX" smtClean="0"/>
-              <a:t>13/06/20</a:t>
+              <a:t>28/06/20</a:t>
             </a:fld>
             <a:endParaRPr/>
           </a:p>
@@ -1045,7 +1045,7 @@
           <a:p>
             <a:fld id="{3C829C46-662D-4145-8F98-57D70CA20825}" type="datetimeFigureOut">
               <a:rPr lang="es-MX" smtClean="0"/>
-              <a:t>13/06/20</a:t>
+              <a:t>28/06/20</a:t>
             </a:fld>
             <a:endParaRPr lang="es-MX"/>
           </a:p>
@@ -1245,7 +1245,7 @@
           <a:p>
             <a:fld id="{3C829C46-662D-4145-8F98-57D70CA20825}" type="datetimeFigureOut">
               <a:rPr lang="es-MX" smtClean="0"/>
-              <a:t>13/06/20</a:t>
+              <a:t>28/06/20</a:t>
             </a:fld>
             <a:endParaRPr lang="es-MX"/>
           </a:p>
@@ -1455,7 +1455,7 @@
           <a:p>
             <a:fld id="{3C829C46-662D-4145-8F98-57D70CA20825}" type="datetimeFigureOut">
               <a:rPr lang="es-MX" smtClean="0"/>
-              <a:t>13/06/20</a:t>
+              <a:t>28/06/20</a:t>
             </a:fld>
             <a:endParaRPr lang="es-MX"/>
           </a:p>
@@ -1655,7 +1655,7 @@
           <a:p>
             <a:fld id="{3C829C46-662D-4145-8F98-57D70CA20825}" type="datetimeFigureOut">
               <a:rPr lang="es-MX" smtClean="0"/>
-              <a:t>13/06/20</a:t>
+              <a:t>28/06/20</a:t>
             </a:fld>
             <a:endParaRPr lang="es-MX"/>
           </a:p>
@@ -1931,7 +1931,7 @@
           <a:p>
             <a:fld id="{3C829C46-662D-4145-8F98-57D70CA20825}" type="datetimeFigureOut">
               <a:rPr lang="es-MX" smtClean="0"/>
-              <a:t>13/06/20</a:t>
+              <a:t>28/06/20</a:t>
             </a:fld>
             <a:endParaRPr lang="es-MX"/>
           </a:p>
@@ -2199,7 +2199,7 @@
           <a:p>
             <a:fld id="{3C829C46-662D-4145-8F98-57D70CA20825}" type="datetimeFigureOut">
               <a:rPr lang="es-MX" smtClean="0"/>
-              <a:t>13/06/20</a:t>
+              <a:t>28/06/20</a:t>
             </a:fld>
             <a:endParaRPr lang="es-MX"/>
           </a:p>
@@ -2614,7 +2614,7 @@
           <a:p>
             <a:fld id="{3C829C46-662D-4145-8F98-57D70CA20825}" type="datetimeFigureOut">
               <a:rPr lang="es-MX" smtClean="0"/>
-              <a:t>13/06/20</a:t>
+              <a:t>28/06/20</a:t>
             </a:fld>
             <a:endParaRPr lang="es-MX"/>
           </a:p>
@@ -2756,7 +2756,7 @@
           <a:p>
             <a:fld id="{3C829C46-662D-4145-8F98-57D70CA20825}" type="datetimeFigureOut">
               <a:rPr lang="es-MX" smtClean="0"/>
-              <a:t>13/06/20</a:t>
+              <a:t>28/06/20</a:t>
             </a:fld>
             <a:endParaRPr lang="es-MX"/>
           </a:p>
@@ -2869,7 +2869,7 @@
           <a:p>
             <a:fld id="{3C829C46-662D-4145-8F98-57D70CA20825}" type="datetimeFigureOut">
               <a:rPr lang="es-MX" smtClean="0"/>
-              <a:t>13/06/20</a:t>
+              <a:t>28/06/20</a:t>
             </a:fld>
             <a:endParaRPr lang="es-MX"/>
           </a:p>
@@ -3182,7 +3182,7 @@
           <a:p>
             <a:fld id="{3C829C46-662D-4145-8F98-57D70CA20825}" type="datetimeFigureOut">
               <a:rPr lang="es-MX" smtClean="0"/>
-              <a:t>13/06/20</a:t>
+              <a:t>28/06/20</a:t>
             </a:fld>
             <a:endParaRPr lang="es-MX"/>
           </a:p>
@@ -3471,7 +3471,7 @@
           <a:p>
             <a:fld id="{3C829C46-662D-4145-8F98-57D70CA20825}" type="datetimeFigureOut">
               <a:rPr lang="es-MX" smtClean="0"/>
-              <a:t>13/06/20</a:t>
+              <a:t>28/06/20</a:t>
             </a:fld>
             <a:endParaRPr lang="es-MX"/>
           </a:p>
@@ -3714,7 +3714,7 @@
           <a:p>
             <a:fld id="{3C829C46-662D-4145-8F98-57D70CA20825}" type="datetimeFigureOut">
               <a:rPr lang="es-MX" smtClean="0"/>
-              <a:t>13/06/20</a:t>
+              <a:t>28/06/20</a:t>
             </a:fld>
             <a:endParaRPr/>
           </a:p>
